--- a/Presentation/Group 16 - Online Food Ordering System.pptx
+++ b/Presentation/Group 16 - Online Food Ordering System.pptx
@@ -5,7 +5,7 @@
     <p:sldMasterId id="2147483648" r:id="rId1"/>
   </p:sldMasterIdLst>
   <p:notesMasterIdLst>
-    <p:notesMasterId r:id="rId41"/>
+    <p:notesMasterId r:id="rId50"/>
   </p:notesMasterIdLst>
   <p:sldIdLst>
     <p:sldId id="256" r:id="rId2"/>
@@ -47,6 +47,15 @@
     <p:sldId id="279" r:id="rId38"/>
     <p:sldId id="280" r:id="rId39"/>
     <p:sldId id="281" r:id="rId40"/>
+    <p:sldId id="301" r:id="rId41"/>
+    <p:sldId id="302" r:id="rId42"/>
+    <p:sldId id="303" r:id="rId43"/>
+    <p:sldId id="304" r:id="rId44"/>
+    <p:sldId id="305" r:id="rId45"/>
+    <p:sldId id="306" r:id="rId46"/>
+    <p:sldId id="307" r:id="rId47"/>
+    <p:sldId id="308" r:id="rId48"/>
+    <p:sldId id="309" r:id="rId49"/>
   </p:sldIdLst>
   <p:sldSz cx="9144000" cy="5143500" type="screen16x9"/>
   <p:notesSz cx="6858000" cy="9144000"/>
@@ -147,7 +156,7 @@
   </p:defaultTextStyle>
   <p:extLst>
     <p:ext uri="{EFAFB233-063F-42B5-8137-9DF3F51BA10A}">
-      <p15:sldGuideLst xmlns="" xmlns:p15="http://schemas.microsoft.com/office/powerpoint/2012/main">
+      <p15:sldGuideLst xmlns:p15="http://schemas.microsoft.com/office/powerpoint/2012/main" xmlns="">
         <p15:guide id="1" orient="horz" pos="1620">
           <p15:clr>
             <a:srgbClr val="A4A3A4"/>
@@ -247,7 +256,7 @@
             <a:fld id="{D5D22F7E-1895-451B-AE46-E5360CD85597}" type="datetimeFigureOut">
               <a:rPr lang="en-IN" smtClean="0"/>
               <a:pPr/>
-              <a:t>02-12-2020</a:t>
+              <a:t>24-02-2021</a:t>
             </a:fld>
             <a:endParaRPr lang="en-IN"/>
           </a:p>
@@ -416,7 +425,7 @@
     </p:spTree>
     <p:extLst>
       <p:ext uri="{BB962C8B-B14F-4D97-AF65-F5344CB8AC3E}">
-        <p14:creationId xmlns="" xmlns:p14="http://schemas.microsoft.com/office/powerpoint/2010/main" val="2404985765"/>
+        <p14:creationId xmlns:p14="http://schemas.microsoft.com/office/powerpoint/2010/main" xmlns="" val="2404985765"/>
       </p:ext>
     </p:extLst>
   </p:cSld>
@@ -550,7 +559,7 @@
     </p:spTree>
     <p:extLst>
       <p:ext uri="{BB962C8B-B14F-4D97-AF65-F5344CB8AC3E}">
-        <p14:creationId xmlns="" xmlns:p14="http://schemas.microsoft.com/office/powerpoint/2010/main" val="2219768511"/>
+        <p14:creationId xmlns:p14="http://schemas.microsoft.com/office/powerpoint/2010/main" xmlns="" val="2219768511"/>
       </p:ext>
     </p:extLst>
   </p:cSld>
@@ -694,7 +703,7 @@
             <a:fld id="{DF8C5CDB-1AEF-4522-8EAF-CE1F4E5D863E}" type="datetimeFigureOut">
               <a:rPr lang="ko-KR" altLang="en-US" smtClean="0"/>
               <a:pPr/>
-              <a:t>2020-12-02</a:t>
+              <a:t>2021-02-24</a:t>
             </a:fld>
             <a:endParaRPr lang="ko-KR" altLang="en-US"/>
           </a:p>
@@ -762,7 +771,7 @@
     </p:spTree>
     <p:extLst>
       <p:ext uri="{BB962C8B-B14F-4D97-AF65-F5344CB8AC3E}">
-        <p14:creationId xmlns="" xmlns:p14="http://schemas.microsoft.com/office/powerpoint/2010/main" val="3025552278"/>
+        <p14:creationId xmlns:p14="http://schemas.microsoft.com/office/powerpoint/2010/main" xmlns="" val="3025552278"/>
       </p:ext>
     </p:extLst>
   </p:cSld>
@@ -906,7 +915,7 @@
             <a:fld id="{DF8C5CDB-1AEF-4522-8EAF-CE1F4E5D863E}" type="datetimeFigureOut">
               <a:rPr lang="ko-KR" altLang="en-US" smtClean="0"/>
               <a:pPr/>
-              <a:t>2020-12-02</a:t>
+              <a:t>2021-02-24</a:t>
             </a:fld>
             <a:endParaRPr lang="ko-KR" altLang="en-US"/>
           </a:p>
@@ -974,7 +983,7 @@
     </p:spTree>
     <p:extLst>
       <p:ext uri="{BB962C8B-B14F-4D97-AF65-F5344CB8AC3E}">
-        <p14:creationId xmlns="" xmlns:p14="http://schemas.microsoft.com/office/powerpoint/2010/main" val="3113033851"/>
+        <p14:creationId xmlns:p14="http://schemas.microsoft.com/office/powerpoint/2010/main" xmlns="" val="3113033851"/>
       </p:ext>
     </p:extLst>
   </p:cSld>
@@ -1082,7 +1091,7 @@
     </p:spTree>
     <p:extLst>
       <p:ext uri="{BB962C8B-B14F-4D97-AF65-F5344CB8AC3E}">
-        <p14:creationId xmlns="" xmlns:p14="http://schemas.microsoft.com/office/powerpoint/2010/main" val="1146943780"/>
+        <p14:creationId xmlns:p14="http://schemas.microsoft.com/office/powerpoint/2010/main" xmlns="" val="1146943780"/>
       </p:ext>
     </p:extLst>
   </p:cSld>
@@ -1292,7 +1301,7 @@
             <a:fld id="{DF8C5CDB-1AEF-4522-8EAF-CE1F4E5D863E}" type="datetimeFigureOut">
               <a:rPr lang="ko-KR" altLang="en-US" smtClean="0"/>
               <a:pPr/>
-              <a:t>2020-12-02</a:t>
+              <a:t>2021-02-24</a:t>
             </a:fld>
             <a:endParaRPr lang="ko-KR" altLang="en-US"/>
           </a:p>
@@ -1360,7 +1369,7 @@
     </p:spTree>
     <p:extLst>
       <p:ext uri="{BB962C8B-B14F-4D97-AF65-F5344CB8AC3E}">
-        <p14:creationId xmlns="" xmlns:p14="http://schemas.microsoft.com/office/powerpoint/2010/main" val="1159806038"/>
+        <p14:creationId xmlns:p14="http://schemas.microsoft.com/office/powerpoint/2010/main" xmlns="" val="1159806038"/>
       </p:ext>
     </p:extLst>
   </p:cSld>
@@ -1624,7 +1633,7 @@
             <a:fld id="{DF8C5CDB-1AEF-4522-8EAF-CE1F4E5D863E}" type="datetimeFigureOut">
               <a:rPr lang="ko-KR" altLang="en-US" smtClean="0"/>
               <a:pPr/>
-              <a:t>2020-12-02</a:t>
+              <a:t>2021-02-24</a:t>
             </a:fld>
             <a:endParaRPr lang="ko-KR" altLang="en-US"/>
           </a:p>
@@ -1692,7 +1701,7 @@
     </p:spTree>
     <p:extLst>
       <p:ext uri="{BB962C8B-B14F-4D97-AF65-F5344CB8AC3E}">
-        <p14:creationId xmlns="" xmlns:p14="http://schemas.microsoft.com/office/powerpoint/2010/main" val="2756615795"/>
+        <p14:creationId xmlns:p14="http://schemas.microsoft.com/office/powerpoint/2010/main" xmlns="" val="2756615795"/>
       </p:ext>
     </p:extLst>
   </p:cSld>
@@ -2092,7 +2101,7 @@
             <a:fld id="{DF8C5CDB-1AEF-4522-8EAF-CE1F4E5D863E}" type="datetimeFigureOut">
               <a:rPr lang="ko-KR" altLang="en-US" smtClean="0"/>
               <a:pPr/>
-              <a:t>2020-12-02</a:t>
+              <a:t>2021-02-24</a:t>
             </a:fld>
             <a:endParaRPr lang="ko-KR" altLang="en-US"/>
           </a:p>
@@ -2160,7 +2169,7 @@
     </p:spTree>
     <p:extLst>
       <p:ext uri="{BB962C8B-B14F-4D97-AF65-F5344CB8AC3E}">
-        <p14:creationId xmlns="" xmlns:p14="http://schemas.microsoft.com/office/powerpoint/2010/main" val="4017851875"/>
+        <p14:creationId xmlns:p14="http://schemas.microsoft.com/office/powerpoint/2010/main" xmlns="" val="4017851875"/>
       </p:ext>
     </p:extLst>
   </p:cSld>
@@ -2244,7 +2253,7 @@
             <a:fld id="{DF8C5CDB-1AEF-4522-8EAF-CE1F4E5D863E}" type="datetimeFigureOut">
               <a:rPr lang="ko-KR" altLang="en-US" smtClean="0"/>
               <a:pPr/>
-              <a:t>2020-12-02</a:t>
+              <a:t>2021-02-24</a:t>
             </a:fld>
             <a:endParaRPr lang="ko-KR" altLang="en-US"/>
           </a:p>
@@ -2312,7 +2321,7 @@
     </p:spTree>
     <p:extLst>
       <p:ext uri="{BB962C8B-B14F-4D97-AF65-F5344CB8AC3E}">
-        <p14:creationId xmlns="" xmlns:p14="http://schemas.microsoft.com/office/powerpoint/2010/main" val="2176104016"/>
+        <p14:creationId xmlns:p14="http://schemas.microsoft.com/office/powerpoint/2010/main" xmlns="" val="2176104016"/>
       </p:ext>
     </p:extLst>
   </p:cSld>
@@ -2365,7 +2374,7 @@
             <a:fld id="{DF8C5CDB-1AEF-4522-8EAF-CE1F4E5D863E}" type="datetimeFigureOut">
               <a:rPr lang="ko-KR" altLang="en-US" smtClean="0"/>
               <a:pPr/>
-              <a:t>2020-12-02</a:t>
+              <a:t>2021-02-24</a:t>
             </a:fld>
             <a:endParaRPr lang="ko-KR" altLang="en-US"/>
           </a:p>
@@ -2433,7 +2442,7 @@
     </p:spTree>
     <p:extLst>
       <p:ext uri="{BB962C8B-B14F-4D97-AF65-F5344CB8AC3E}">
-        <p14:creationId xmlns="" xmlns:p14="http://schemas.microsoft.com/office/powerpoint/2010/main" val="837280964"/>
+        <p14:creationId xmlns:p14="http://schemas.microsoft.com/office/powerpoint/2010/main" xmlns="" val="837280964"/>
       </p:ext>
     </p:extLst>
   </p:cSld>
@@ -2677,7 +2686,7 @@
             <a:fld id="{DF8C5CDB-1AEF-4522-8EAF-CE1F4E5D863E}" type="datetimeFigureOut">
               <a:rPr lang="ko-KR" altLang="en-US" smtClean="0"/>
               <a:pPr/>
-              <a:t>2020-12-02</a:t>
+              <a:t>2021-02-24</a:t>
             </a:fld>
             <a:endParaRPr lang="ko-KR" altLang="en-US"/>
           </a:p>
@@ -2745,7 +2754,7 @@
     </p:spTree>
     <p:extLst>
       <p:ext uri="{BB962C8B-B14F-4D97-AF65-F5344CB8AC3E}">
-        <p14:creationId xmlns="" xmlns:p14="http://schemas.microsoft.com/office/powerpoint/2010/main" val="3367004424"/>
+        <p14:creationId xmlns:p14="http://schemas.microsoft.com/office/powerpoint/2010/main" xmlns="" val="3367004424"/>
       </p:ext>
     </p:extLst>
   </p:cSld>
@@ -2965,7 +2974,7 @@
             <a:fld id="{DF8C5CDB-1AEF-4522-8EAF-CE1F4E5D863E}" type="datetimeFigureOut">
               <a:rPr lang="ko-KR" altLang="en-US" smtClean="0"/>
               <a:pPr/>
-              <a:t>2020-12-02</a:t>
+              <a:t>2021-02-24</a:t>
             </a:fld>
             <a:endParaRPr lang="ko-KR" altLang="en-US"/>
           </a:p>
@@ -3033,7 +3042,7 @@
     </p:spTree>
     <p:extLst>
       <p:ext uri="{BB962C8B-B14F-4D97-AF65-F5344CB8AC3E}">
-        <p14:creationId xmlns="" xmlns:p14="http://schemas.microsoft.com/office/powerpoint/2010/main" val="171359972"/>
+        <p14:creationId xmlns:p14="http://schemas.microsoft.com/office/powerpoint/2010/main" xmlns="" val="171359972"/>
       </p:ext>
     </p:extLst>
   </p:cSld>
@@ -3077,7 +3086,7 @@
     </p:spTree>
     <p:extLst>
       <p:ext uri="{BB962C8B-B14F-4D97-AF65-F5344CB8AC3E}">
-        <p14:creationId xmlns="" xmlns:p14="http://schemas.microsoft.com/office/powerpoint/2010/main" val="4252391796"/>
+        <p14:creationId xmlns:p14="http://schemas.microsoft.com/office/powerpoint/2010/main" xmlns="" val="4252391796"/>
       </p:ext>
     </p:extLst>
   </p:cSld>
@@ -3699,7 +3708,7 @@
     </p:spTree>
     <p:extLst>
       <p:ext uri="{BB962C8B-B14F-4D97-AF65-F5344CB8AC3E}">
-        <p14:creationId xmlns="" xmlns:p14="http://schemas.microsoft.com/office/powerpoint/2010/main" val="303447833"/>
+        <p14:creationId xmlns:p14="http://schemas.microsoft.com/office/powerpoint/2010/main" xmlns="" val="303447833"/>
       </p:ext>
     </p:extLst>
   </p:cSld>
@@ -3773,7 +3782,7 @@
     </p:spTree>
     <p:extLst>
       <p:ext uri="{BB962C8B-B14F-4D97-AF65-F5344CB8AC3E}">
-        <p14:creationId xmlns="" xmlns:p14="http://schemas.microsoft.com/office/powerpoint/2010/main" val="677239839"/>
+        <p14:creationId xmlns:p14="http://schemas.microsoft.com/office/powerpoint/2010/main" xmlns="" val="677239839"/>
       </p:ext>
     </p:extLst>
   </p:cSld>
@@ -3839,7 +3848,7 @@
     </p:spTree>
     <p:extLst>
       <p:ext uri="{BB962C8B-B14F-4D97-AF65-F5344CB8AC3E}">
-        <p14:creationId xmlns="" xmlns:p14="http://schemas.microsoft.com/office/powerpoint/2010/main" val="677239839"/>
+        <p14:creationId xmlns:p14="http://schemas.microsoft.com/office/powerpoint/2010/main" xmlns="" val="677239839"/>
       </p:ext>
     </p:extLst>
   </p:cSld>
@@ -3913,7 +3922,7 @@
     </p:spTree>
     <p:extLst>
       <p:ext uri="{BB962C8B-B14F-4D97-AF65-F5344CB8AC3E}">
-        <p14:creationId xmlns="" xmlns:p14="http://schemas.microsoft.com/office/powerpoint/2010/main" val="677239839"/>
+        <p14:creationId xmlns:p14="http://schemas.microsoft.com/office/powerpoint/2010/main" xmlns="" val="677239839"/>
       </p:ext>
     </p:extLst>
   </p:cSld>
@@ -3979,7 +3988,7 @@
     </p:spTree>
     <p:extLst>
       <p:ext uri="{BB962C8B-B14F-4D97-AF65-F5344CB8AC3E}">
-        <p14:creationId xmlns="" xmlns:p14="http://schemas.microsoft.com/office/powerpoint/2010/main" val="677239839"/>
+        <p14:creationId xmlns:p14="http://schemas.microsoft.com/office/powerpoint/2010/main" xmlns="" val="677239839"/>
       </p:ext>
     </p:extLst>
   </p:cSld>
@@ -4053,7 +4062,7 @@
     </p:spTree>
     <p:extLst>
       <p:ext uri="{BB962C8B-B14F-4D97-AF65-F5344CB8AC3E}">
-        <p14:creationId xmlns="" xmlns:p14="http://schemas.microsoft.com/office/powerpoint/2010/main" val="677239839"/>
+        <p14:creationId xmlns:p14="http://schemas.microsoft.com/office/powerpoint/2010/main" xmlns="" val="677239839"/>
       </p:ext>
     </p:extLst>
   </p:cSld>
@@ -4119,7 +4128,7 @@
     </p:spTree>
     <p:extLst>
       <p:ext uri="{BB962C8B-B14F-4D97-AF65-F5344CB8AC3E}">
-        <p14:creationId xmlns="" xmlns:p14="http://schemas.microsoft.com/office/powerpoint/2010/main" val="677239839"/>
+        <p14:creationId xmlns:p14="http://schemas.microsoft.com/office/powerpoint/2010/main" xmlns="" val="677239839"/>
       </p:ext>
     </p:extLst>
   </p:cSld>
@@ -4193,7 +4202,7 @@
     </p:spTree>
     <p:extLst>
       <p:ext uri="{BB962C8B-B14F-4D97-AF65-F5344CB8AC3E}">
-        <p14:creationId xmlns="" xmlns:p14="http://schemas.microsoft.com/office/powerpoint/2010/main" val="677239839"/>
+        <p14:creationId xmlns:p14="http://schemas.microsoft.com/office/powerpoint/2010/main" xmlns="" val="677239839"/>
       </p:ext>
     </p:extLst>
   </p:cSld>
@@ -4259,7 +4268,7 @@
     </p:spTree>
     <p:extLst>
       <p:ext uri="{BB962C8B-B14F-4D97-AF65-F5344CB8AC3E}">
-        <p14:creationId xmlns="" xmlns:p14="http://schemas.microsoft.com/office/powerpoint/2010/main" val="677239839"/>
+        <p14:creationId xmlns:p14="http://schemas.microsoft.com/office/powerpoint/2010/main" xmlns="" val="677239839"/>
       </p:ext>
     </p:extLst>
   </p:cSld>
@@ -4333,7 +4342,7 @@
     </p:spTree>
     <p:extLst>
       <p:ext uri="{BB962C8B-B14F-4D97-AF65-F5344CB8AC3E}">
-        <p14:creationId xmlns="" xmlns:p14="http://schemas.microsoft.com/office/powerpoint/2010/main" val="677239839"/>
+        <p14:creationId xmlns:p14="http://schemas.microsoft.com/office/powerpoint/2010/main" xmlns="" val="677239839"/>
       </p:ext>
     </p:extLst>
   </p:cSld>
@@ -4399,7 +4408,7 @@
     </p:spTree>
     <p:extLst>
       <p:ext uri="{BB962C8B-B14F-4D97-AF65-F5344CB8AC3E}">
-        <p14:creationId xmlns="" xmlns:p14="http://schemas.microsoft.com/office/powerpoint/2010/main" val="677239839"/>
+        <p14:creationId xmlns:p14="http://schemas.microsoft.com/office/powerpoint/2010/main" xmlns="" val="677239839"/>
       </p:ext>
     </p:extLst>
   </p:cSld>
@@ -4669,7 +4678,7 @@
     </p:spTree>
     <p:extLst>
       <p:ext uri="{BB962C8B-B14F-4D97-AF65-F5344CB8AC3E}">
-        <p14:creationId xmlns="" xmlns:p14="http://schemas.microsoft.com/office/powerpoint/2010/main" val="677239839"/>
+        <p14:creationId xmlns:p14="http://schemas.microsoft.com/office/powerpoint/2010/main" xmlns="" val="677239839"/>
       </p:ext>
     </p:extLst>
   </p:cSld>
@@ -4743,7 +4752,7 @@
     </p:spTree>
     <p:extLst>
       <p:ext uri="{BB962C8B-B14F-4D97-AF65-F5344CB8AC3E}">
-        <p14:creationId xmlns="" xmlns:p14="http://schemas.microsoft.com/office/powerpoint/2010/main" val="677239839"/>
+        <p14:creationId xmlns:p14="http://schemas.microsoft.com/office/powerpoint/2010/main" xmlns="" val="677239839"/>
       </p:ext>
     </p:extLst>
   </p:cSld>
@@ -4809,7 +4818,7 @@
     </p:spTree>
     <p:extLst>
       <p:ext uri="{BB962C8B-B14F-4D97-AF65-F5344CB8AC3E}">
-        <p14:creationId xmlns="" xmlns:p14="http://schemas.microsoft.com/office/powerpoint/2010/main" val="677239839"/>
+        <p14:creationId xmlns:p14="http://schemas.microsoft.com/office/powerpoint/2010/main" xmlns="" val="677239839"/>
       </p:ext>
     </p:extLst>
   </p:cSld>
@@ -4883,7 +4892,7 @@
     </p:spTree>
     <p:extLst>
       <p:ext uri="{BB962C8B-B14F-4D97-AF65-F5344CB8AC3E}">
-        <p14:creationId xmlns="" xmlns:p14="http://schemas.microsoft.com/office/powerpoint/2010/main" val="677239839"/>
+        <p14:creationId xmlns:p14="http://schemas.microsoft.com/office/powerpoint/2010/main" xmlns="" val="677239839"/>
       </p:ext>
     </p:extLst>
   </p:cSld>
@@ -4949,7 +4958,7 @@
     </p:spTree>
     <p:extLst>
       <p:ext uri="{BB962C8B-B14F-4D97-AF65-F5344CB8AC3E}">
-        <p14:creationId xmlns="" xmlns:p14="http://schemas.microsoft.com/office/powerpoint/2010/main" val="677239839"/>
+        <p14:creationId xmlns:p14="http://schemas.microsoft.com/office/powerpoint/2010/main" xmlns="" val="677239839"/>
       </p:ext>
     </p:extLst>
   </p:cSld>
@@ -5023,7 +5032,7 @@
     </p:spTree>
     <p:extLst>
       <p:ext uri="{BB962C8B-B14F-4D97-AF65-F5344CB8AC3E}">
-        <p14:creationId xmlns="" xmlns:p14="http://schemas.microsoft.com/office/powerpoint/2010/main" val="677239839"/>
+        <p14:creationId xmlns:p14="http://schemas.microsoft.com/office/powerpoint/2010/main" xmlns="" val="677239839"/>
       </p:ext>
     </p:extLst>
   </p:cSld>
@@ -5089,7 +5098,7 @@
     </p:spTree>
     <p:extLst>
       <p:ext uri="{BB962C8B-B14F-4D97-AF65-F5344CB8AC3E}">
-        <p14:creationId xmlns="" xmlns:p14="http://schemas.microsoft.com/office/powerpoint/2010/main" val="677239839"/>
+        <p14:creationId xmlns:p14="http://schemas.microsoft.com/office/powerpoint/2010/main" xmlns="" val="677239839"/>
       </p:ext>
     </p:extLst>
   </p:cSld>
@@ -5163,7 +5172,7 @@
     </p:spTree>
     <p:extLst>
       <p:ext uri="{BB962C8B-B14F-4D97-AF65-F5344CB8AC3E}">
-        <p14:creationId xmlns="" xmlns:p14="http://schemas.microsoft.com/office/powerpoint/2010/main" val="677239839"/>
+        <p14:creationId xmlns:p14="http://schemas.microsoft.com/office/powerpoint/2010/main" xmlns="" val="677239839"/>
       </p:ext>
     </p:extLst>
   </p:cSld>
@@ -5229,7 +5238,7 @@
     </p:spTree>
     <p:extLst>
       <p:ext uri="{BB962C8B-B14F-4D97-AF65-F5344CB8AC3E}">
-        <p14:creationId xmlns="" xmlns:p14="http://schemas.microsoft.com/office/powerpoint/2010/main" val="677239839"/>
+        <p14:creationId xmlns:p14="http://schemas.microsoft.com/office/powerpoint/2010/main" xmlns="" val="677239839"/>
       </p:ext>
     </p:extLst>
   </p:cSld>
@@ -5303,7 +5312,7 @@
     </p:spTree>
     <p:extLst>
       <p:ext uri="{BB962C8B-B14F-4D97-AF65-F5344CB8AC3E}">
-        <p14:creationId xmlns="" xmlns:p14="http://schemas.microsoft.com/office/powerpoint/2010/main" val="677239839"/>
+        <p14:creationId xmlns:p14="http://schemas.microsoft.com/office/powerpoint/2010/main" xmlns="" val="677239839"/>
       </p:ext>
     </p:extLst>
   </p:cSld>
@@ -5369,7 +5378,7 @@
     </p:spTree>
     <p:extLst>
       <p:ext uri="{BB962C8B-B14F-4D97-AF65-F5344CB8AC3E}">
-        <p14:creationId xmlns="" xmlns:p14="http://schemas.microsoft.com/office/powerpoint/2010/main" val="677239839"/>
+        <p14:creationId xmlns:p14="http://schemas.microsoft.com/office/powerpoint/2010/main" xmlns="" val="677239839"/>
       </p:ext>
     </p:extLst>
   </p:cSld>
@@ -5561,7 +5570,7 @@
     </p:spTree>
     <p:extLst>
       <p:ext uri="{BB962C8B-B14F-4D97-AF65-F5344CB8AC3E}">
-        <p14:creationId xmlns="" xmlns:p14="http://schemas.microsoft.com/office/powerpoint/2010/main" val="677239839"/>
+        <p14:creationId xmlns:p14="http://schemas.microsoft.com/office/powerpoint/2010/main" xmlns="" val="677239839"/>
       </p:ext>
     </p:extLst>
   </p:cSld>
@@ -5635,7 +5644,7 @@
     </p:spTree>
     <p:extLst>
       <p:ext uri="{BB962C8B-B14F-4D97-AF65-F5344CB8AC3E}">
-        <p14:creationId xmlns="" xmlns:p14="http://schemas.microsoft.com/office/powerpoint/2010/main" val="677239839"/>
+        <p14:creationId xmlns:p14="http://schemas.microsoft.com/office/powerpoint/2010/main" xmlns="" val="677239839"/>
       </p:ext>
     </p:extLst>
   </p:cSld>
@@ -5677,7 +5686,7 @@
           <p:cNvPr id="3" name="TextBox 2">
             <a:extLst>
               <a:ext uri="{FF2B5EF4-FFF2-40B4-BE49-F238E27FC236}">
-                <a16:creationId xmlns="" xmlns:a16="http://schemas.microsoft.com/office/drawing/2014/main" id="{DD5CDF78-8C57-46C9-9829-ADB8A3B199F7}"/>
+                <a16:creationId xmlns:a16="http://schemas.microsoft.com/office/drawing/2014/main" xmlns="" id="{DD5CDF78-8C57-46C9-9829-ADB8A3B199F7}"/>
               </a:ext>
             </a:extLst>
           </p:cNvPr>
@@ -5729,7 +5738,7 @@
           <p:cNvPr id="7" name="Table 7">
             <a:extLst>
               <a:ext uri="{FF2B5EF4-FFF2-40B4-BE49-F238E27FC236}">
-                <a16:creationId xmlns="" xmlns:a16="http://schemas.microsoft.com/office/drawing/2014/main" id="{0C9471F9-E15F-463B-9F73-4FB483F7B0DA}"/>
+                <a16:creationId xmlns:a16="http://schemas.microsoft.com/office/drawing/2014/main" xmlns="" id="{0C9471F9-E15F-463B-9F73-4FB483F7B0DA}"/>
               </a:ext>
             </a:extLst>
           </p:cNvPr>
@@ -5739,7 +5748,7 @@
           <p:nvPr>
             <p:extLst>
               <p:ext uri="{D42A27DB-BD31-4B8C-83A1-F6EECF244321}">
-                <p14:modId xmlns="" xmlns:p14="http://schemas.microsoft.com/office/powerpoint/2010/main" val="234819422"/>
+                <p14:modId xmlns:p14="http://schemas.microsoft.com/office/powerpoint/2010/main" xmlns="" val="234819422"/>
               </p:ext>
             </p:extLst>
           </p:nvPr>
@@ -5758,35 +5767,35 @@
                 <a:gridCol w="1155106">
                   <a:extLst>
                     <a:ext uri="{9D8B030D-6E8A-4147-A177-3AD203B41FA5}">
-                      <a16:colId xmlns="" xmlns:a16="http://schemas.microsoft.com/office/drawing/2014/main" val="450970297"/>
+                      <a16:colId xmlns:a16="http://schemas.microsoft.com/office/drawing/2014/main" xmlns="" val="450970297"/>
                     </a:ext>
                   </a:extLst>
                 </a:gridCol>
                 <a:gridCol w="1836537">
                   <a:extLst>
                     <a:ext uri="{9D8B030D-6E8A-4147-A177-3AD203B41FA5}">
-                      <a16:colId xmlns="" xmlns:a16="http://schemas.microsoft.com/office/drawing/2014/main" val="1842265827"/>
+                      <a16:colId xmlns:a16="http://schemas.microsoft.com/office/drawing/2014/main" xmlns="" val="1842265827"/>
                     </a:ext>
                   </a:extLst>
                 </a:gridCol>
                 <a:gridCol w="1131186">
                   <a:extLst>
                     <a:ext uri="{9D8B030D-6E8A-4147-A177-3AD203B41FA5}">
-                      <a16:colId xmlns="" xmlns:a16="http://schemas.microsoft.com/office/drawing/2014/main" val="911393503"/>
+                      <a16:colId xmlns:a16="http://schemas.microsoft.com/office/drawing/2014/main" xmlns="" val="911393503"/>
                     </a:ext>
                   </a:extLst>
                 </a:gridCol>
                 <a:gridCol w="1450626">
                   <a:extLst>
                     <a:ext uri="{9D8B030D-6E8A-4147-A177-3AD203B41FA5}">
-                      <a16:colId xmlns="" xmlns:a16="http://schemas.microsoft.com/office/drawing/2014/main" val="556450556"/>
+                      <a16:colId xmlns:a16="http://schemas.microsoft.com/office/drawing/2014/main" xmlns="" val="556450556"/>
                     </a:ext>
                   </a:extLst>
                 </a:gridCol>
                 <a:gridCol w="1927535">
                   <a:extLst>
                     <a:ext uri="{9D8B030D-6E8A-4147-A177-3AD203B41FA5}">
-                      <a16:colId xmlns="" xmlns:a16="http://schemas.microsoft.com/office/drawing/2014/main" val="2563037860"/>
+                      <a16:colId xmlns:a16="http://schemas.microsoft.com/office/drawing/2014/main" xmlns="" val="2563037860"/>
                     </a:ext>
                   </a:extLst>
                 </a:gridCol>
@@ -5864,7 +5873,7 @@
                 </a:tc>
                 <a:extLst>
                   <a:ext uri="{0D108BD9-81ED-4DB2-BD59-A6C34878D82A}">
-                    <a16:rowId xmlns="" xmlns:a16="http://schemas.microsoft.com/office/drawing/2014/main" val="1433666847"/>
+                    <a16:rowId xmlns:a16="http://schemas.microsoft.com/office/drawing/2014/main" xmlns="" val="1433666847"/>
                   </a:ext>
                 </a:extLst>
               </a:tr>
@@ -5951,7 +5960,7 @@
                 </a:tc>
                 <a:extLst>
                   <a:ext uri="{0D108BD9-81ED-4DB2-BD59-A6C34878D82A}">
-                    <a16:rowId xmlns="" xmlns:a16="http://schemas.microsoft.com/office/drawing/2014/main" val="3329484029"/>
+                    <a16:rowId xmlns:a16="http://schemas.microsoft.com/office/drawing/2014/main" xmlns="" val="3329484029"/>
                   </a:ext>
                 </a:extLst>
               </a:tr>
@@ -6036,7 +6045,7 @@
                 </a:tc>
                 <a:extLst>
                   <a:ext uri="{0D108BD9-81ED-4DB2-BD59-A6C34878D82A}">
-                    <a16:rowId xmlns="" xmlns:a16="http://schemas.microsoft.com/office/drawing/2014/main" val="10002"/>
+                    <a16:rowId xmlns:a16="http://schemas.microsoft.com/office/drawing/2014/main" xmlns="" val="10002"/>
                   </a:ext>
                 </a:extLst>
               </a:tr>
@@ -6115,7 +6124,7 @@
                 </a:tc>
                 <a:extLst>
                   <a:ext uri="{0D108BD9-81ED-4DB2-BD59-A6C34878D82A}">
-                    <a16:rowId xmlns="" xmlns:a16="http://schemas.microsoft.com/office/drawing/2014/main" val="940721155"/>
+                    <a16:rowId xmlns:a16="http://schemas.microsoft.com/office/drawing/2014/main" xmlns="" val="940721155"/>
                   </a:ext>
                 </a:extLst>
               </a:tr>
@@ -6210,7 +6219,7 @@
                 </a:tc>
                 <a:extLst>
                   <a:ext uri="{0D108BD9-81ED-4DB2-BD59-A6C34878D82A}">
-                    <a16:rowId xmlns="" xmlns:a16="http://schemas.microsoft.com/office/drawing/2014/main" val="3524680130"/>
+                    <a16:rowId xmlns:a16="http://schemas.microsoft.com/office/drawing/2014/main" xmlns="" val="3524680130"/>
                   </a:ext>
                 </a:extLst>
               </a:tr>
@@ -6297,7 +6306,7 @@
                 </a:tc>
                 <a:extLst>
                   <a:ext uri="{0D108BD9-81ED-4DB2-BD59-A6C34878D82A}">
-                    <a16:rowId xmlns="" xmlns:a16="http://schemas.microsoft.com/office/drawing/2014/main" val="442101112"/>
+                    <a16:rowId xmlns:a16="http://schemas.microsoft.com/office/drawing/2014/main" xmlns="" val="442101112"/>
                   </a:ext>
                 </a:extLst>
               </a:tr>
@@ -6384,7 +6393,7 @@
                 </a:tc>
                 <a:extLst>
                   <a:ext uri="{0D108BD9-81ED-4DB2-BD59-A6C34878D82A}">
-                    <a16:rowId xmlns="" xmlns:a16="http://schemas.microsoft.com/office/drawing/2014/main" val="3842816325"/>
+                    <a16:rowId xmlns:a16="http://schemas.microsoft.com/office/drawing/2014/main" xmlns="" val="3842816325"/>
                   </a:ext>
                 </a:extLst>
               </a:tr>
@@ -6469,7 +6478,7 @@
                 </a:tc>
                 <a:extLst>
                   <a:ext uri="{0D108BD9-81ED-4DB2-BD59-A6C34878D82A}">
-                    <a16:rowId xmlns="" xmlns:a16="http://schemas.microsoft.com/office/drawing/2014/main" val="3136662243"/>
+                    <a16:rowId xmlns:a16="http://schemas.microsoft.com/office/drawing/2014/main" xmlns="" val="3136662243"/>
                   </a:ext>
                 </a:extLst>
               </a:tr>
@@ -6556,7 +6565,7 @@
                 </a:tc>
                 <a:extLst>
                   <a:ext uri="{0D108BD9-81ED-4DB2-BD59-A6C34878D82A}">
-                    <a16:rowId xmlns="" xmlns:a16="http://schemas.microsoft.com/office/drawing/2014/main" val="3539764776"/>
+                    <a16:rowId xmlns:a16="http://schemas.microsoft.com/office/drawing/2014/main" xmlns="" val="3539764776"/>
                   </a:ext>
                 </a:extLst>
               </a:tr>
@@ -6649,7 +6658,7 @@
     </p:spTree>
     <p:extLst>
       <p:ext uri="{BB962C8B-B14F-4D97-AF65-F5344CB8AC3E}">
-        <p14:creationId xmlns="" xmlns:p14="http://schemas.microsoft.com/office/powerpoint/2010/main" val="2186831971"/>
+        <p14:creationId xmlns:p14="http://schemas.microsoft.com/office/powerpoint/2010/main" xmlns="" val="2186831971"/>
       </p:ext>
     </p:extLst>
   </p:cSld>
@@ -6688,7 +6697,7 @@
           <p:cNvPr id="3" name="TextBox 2">
             <a:extLst>
               <a:ext uri="{FF2B5EF4-FFF2-40B4-BE49-F238E27FC236}">
-                <a16:creationId xmlns="" xmlns:a16="http://schemas.microsoft.com/office/drawing/2014/main" id="{DD5CDF78-8C57-46C9-9829-ADB8A3B199F7}"/>
+                <a16:creationId xmlns:a16="http://schemas.microsoft.com/office/drawing/2014/main" xmlns="" id="{DD5CDF78-8C57-46C9-9829-ADB8A3B199F7}"/>
               </a:ext>
             </a:extLst>
           </p:cNvPr>
@@ -6747,7 +6756,7 @@
           <p:cNvPr id="7" name="Table 7">
             <a:extLst>
               <a:ext uri="{FF2B5EF4-FFF2-40B4-BE49-F238E27FC236}">
-                <a16:creationId xmlns="" xmlns:a16="http://schemas.microsoft.com/office/drawing/2014/main" id="{0C9471F9-E15F-463B-9F73-4FB483F7B0DA}"/>
+                <a16:creationId xmlns:a16="http://schemas.microsoft.com/office/drawing/2014/main" xmlns="" id="{0C9471F9-E15F-463B-9F73-4FB483F7B0DA}"/>
               </a:ext>
             </a:extLst>
           </p:cNvPr>
@@ -6757,7 +6766,7 @@
           <p:nvPr>
             <p:extLst>
               <p:ext uri="{D42A27DB-BD31-4B8C-83A1-F6EECF244321}">
-                <p14:modId xmlns="" xmlns:p14="http://schemas.microsoft.com/office/powerpoint/2010/main" val="234819422"/>
+                <p14:modId xmlns:p14="http://schemas.microsoft.com/office/powerpoint/2010/main" xmlns="" val="234819422"/>
               </p:ext>
             </p:extLst>
           </p:nvPr>
@@ -6776,35 +6785,35 @@
                 <a:gridCol w="1479555">
                   <a:extLst>
                     <a:ext uri="{9D8B030D-6E8A-4147-A177-3AD203B41FA5}">
-                      <a16:colId xmlns="" xmlns:a16="http://schemas.microsoft.com/office/drawing/2014/main" val="450970297"/>
+                      <a16:colId xmlns:a16="http://schemas.microsoft.com/office/drawing/2014/main" xmlns="" val="450970297"/>
                     </a:ext>
                   </a:extLst>
                 </a:gridCol>
                 <a:gridCol w="1494054">
                   <a:extLst>
                     <a:ext uri="{9D8B030D-6E8A-4147-A177-3AD203B41FA5}">
-                      <a16:colId xmlns="" xmlns:a16="http://schemas.microsoft.com/office/drawing/2014/main" val="1842265827"/>
+                      <a16:colId xmlns:a16="http://schemas.microsoft.com/office/drawing/2014/main" xmlns="" val="1842265827"/>
                     </a:ext>
                   </a:extLst>
                 </a:gridCol>
                 <a:gridCol w="1124367">
                   <a:extLst>
                     <a:ext uri="{9D8B030D-6E8A-4147-A177-3AD203B41FA5}">
-                      <a16:colId xmlns="" xmlns:a16="http://schemas.microsoft.com/office/drawing/2014/main" val="911393503"/>
+                      <a16:colId xmlns:a16="http://schemas.microsoft.com/office/drawing/2014/main" xmlns="" val="911393503"/>
                     </a:ext>
                   </a:extLst>
                 </a:gridCol>
                 <a:gridCol w="1441880">
                   <a:extLst>
                     <a:ext uri="{9D8B030D-6E8A-4147-A177-3AD203B41FA5}">
-                      <a16:colId xmlns="" xmlns:a16="http://schemas.microsoft.com/office/drawing/2014/main" val="556450556"/>
+                      <a16:colId xmlns:a16="http://schemas.microsoft.com/office/drawing/2014/main" xmlns="" val="556450556"/>
                     </a:ext>
                   </a:extLst>
                 </a:gridCol>
                 <a:gridCol w="1915915">
                   <a:extLst>
                     <a:ext uri="{9D8B030D-6E8A-4147-A177-3AD203B41FA5}">
-                      <a16:colId xmlns="" xmlns:a16="http://schemas.microsoft.com/office/drawing/2014/main" val="2563037860"/>
+                      <a16:colId xmlns:a16="http://schemas.microsoft.com/office/drawing/2014/main" xmlns="" val="2563037860"/>
                     </a:ext>
                   </a:extLst>
                 </a:gridCol>
@@ -6877,7 +6886,7 @@
                 </a:tc>
                 <a:extLst>
                   <a:ext uri="{0D108BD9-81ED-4DB2-BD59-A6C34878D82A}">
-                    <a16:rowId xmlns="" xmlns:a16="http://schemas.microsoft.com/office/drawing/2014/main" val="1433666847"/>
+                    <a16:rowId xmlns:a16="http://schemas.microsoft.com/office/drawing/2014/main" xmlns="" val="1433666847"/>
                   </a:ext>
                 </a:extLst>
               </a:tr>
@@ -6957,7 +6966,7 @@
                 </a:tc>
                 <a:extLst>
                   <a:ext uri="{0D108BD9-81ED-4DB2-BD59-A6C34878D82A}">
-                    <a16:rowId xmlns="" xmlns:a16="http://schemas.microsoft.com/office/drawing/2014/main" val="3329484029"/>
+                    <a16:rowId xmlns:a16="http://schemas.microsoft.com/office/drawing/2014/main" xmlns="" val="3329484029"/>
                   </a:ext>
                 </a:extLst>
               </a:tr>
@@ -7036,7 +7045,7 @@
                 </a:tc>
                 <a:extLst>
                   <a:ext uri="{0D108BD9-81ED-4DB2-BD59-A6C34878D82A}">
-                    <a16:rowId xmlns="" xmlns:a16="http://schemas.microsoft.com/office/drawing/2014/main" val="940721155"/>
+                    <a16:rowId xmlns:a16="http://schemas.microsoft.com/office/drawing/2014/main" xmlns="" val="940721155"/>
                   </a:ext>
                 </a:extLst>
               </a:tr>
@@ -7049,7 +7058,7 @@
           <p:cNvPr id="6" name="TextBox 5">
             <a:extLst>
               <a:ext uri="{FF2B5EF4-FFF2-40B4-BE49-F238E27FC236}">
-                <a16:creationId xmlns="" xmlns:a16="http://schemas.microsoft.com/office/drawing/2014/main" id="{DD5CDF78-8C57-46C9-9829-ADB8A3B199F7}"/>
+                <a16:creationId xmlns:a16="http://schemas.microsoft.com/office/drawing/2014/main" xmlns="" id="{DD5CDF78-8C57-46C9-9829-ADB8A3B199F7}"/>
               </a:ext>
             </a:extLst>
           </p:cNvPr>
@@ -7109,7 +7118,7 @@
     </p:spTree>
     <p:extLst>
       <p:ext uri="{BB962C8B-B14F-4D97-AF65-F5344CB8AC3E}">
-        <p14:creationId xmlns="" xmlns:p14="http://schemas.microsoft.com/office/powerpoint/2010/main" val="2186831971"/>
+        <p14:creationId xmlns:p14="http://schemas.microsoft.com/office/powerpoint/2010/main" xmlns="" val="2186831971"/>
       </p:ext>
     </p:extLst>
   </p:cSld>
@@ -7148,7 +7157,7 @@
           <p:cNvPr id="3" name="TextBox 2">
             <a:extLst>
               <a:ext uri="{FF2B5EF4-FFF2-40B4-BE49-F238E27FC236}">
-                <a16:creationId xmlns="" xmlns:a16="http://schemas.microsoft.com/office/drawing/2014/main" id="{DD5CDF78-8C57-46C9-9829-ADB8A3B199F7}"/>
+                <a16:creationId xmlns:a16="http://schemas.microsoft.com/office/drawing/2014/main" xmlns="" id="{DD5CDF78-8C57-46C9-9829-ADB8A3B199F7}"/>
               </a:ext>
             </a:extLst>
           </p:cNvPr>
@@ -7190,7 +7199,7 @@
           <p:cNvPr id="7" name="Table 7">
             <a:extLst>
               <a:ext uri="{FF2B5EF4-FFF2-40B4-BE49-F238E27FC236}">
-                <a16:creationId xmlns="" xmlns:a16="http://schemas.microsoft.com/office/drawing/2014/main" id="{0C9471F9-E15F-463B-9F73-4FB483F7B0DA}"/>
+                <a16:creationId xmlns:a16="http://schemas.microsoft.com/office/drawing/2014/main" xmlns="" id="{0C9471F9-E15F-463B-9F73-4FB483F7B0DA}"/>
               </a:ext>
             </a:extLst>
           </p:cNvPr>
@@ -7200,7 +7209,7 @@
           <p:nvPr>
             <p:extLst>
               <p:ext uri="{D42A27DB-BD31-4B8C-83A1-F6EECF244321}">
-                <p14:modId xmlns="" xmlns:p14="http://schemas.microsoft.com/office/powerpoint/2010/main" val="1361691999"/>
+                <p14:modId xmlns:p14="http://schemas.microsoft.com/office/powerpoint/2010/main" xmlns="" val="1361691999"/>
               </p:ext>
             </p:extLst>
           </p:nvPr>
@@ -7219,35 +7228,35 @@
                 <a:gridCol w="1414668">
                   <a:extLst>
                     <a:ext uri="{9D8B030D-6E8A-4147-A177-3AD203B41FA5}">
-                      <a16:colId xmlns="" xmlns:a16="http://schemas.microsoft.com/office/drawing/2014/main" val="450970297"/>
+                      <a16:colId xmlns:a16="http://schemas.microsoft.com/office/drawing/2014/main" xmlns="" val="450970297"/>
                     </a:ext>
                   </a:extLst>
                 </a:gridCol>
                 <a:gridCol w="1428531">
                   <a:extLst>
                     <a:ext uri="{9D8B030D-6E8A-4147-A177-3AD203B41FA5}">
-                      <a16:colId xmlns="" xmlns:a16="http://schemas.microsoft.com/office/drawing/2014/main" val="1842265827"/>
+                      <a16:colId xmlns:a16="http://schemas.microsoft.com/office/drawing/2014/main" xmlns="" val="1842265827"/>
                     </a:ext>
                   </a:extLst>
                 </a:gridCol>
                 <a:gridCol w="1075057">
                   <a:extLst>
                     <a:ext uri="{9D8B030D-6E8A-4147-A177-3AD203B41FA5}">
-                      <a16:colId xmlns="" xmlns:a16="http://schemas.microsoft.com/office/drawing/2014/main" val="911393503"/>
+                      <a16:colId xmlns:a16="http://schemas.microsoft.com/office/drawing/2014/main" xmlns="" val="911393503"/>
                     </a:ext>
                   </a:extLst>
                 </a:gridCol>
                 <a:gridCol w="1266320">
                   <a:extLst>
                     <a:ext uri="{9D8B030D-6E8A-4147-A177-3AD203B41FA5}">
-                      <a16:colId xmlns="" xmlns:a16="http://schemas.microsoft.com/office/drawing/2014/main" val="556450556"/>
+                      <a16:colId xmlns:a16="http://schemas.microsoft.com/office/drawing/2014/main" xmlns="" val="556450556"/>
                     </a:ext>
                   </a:extLst>
                 </a:gridCol>
                 <a:gridCol w="1944217">
                   <a:extLst>
                     <a:ext uri="{9D8B030D-6E8A-4147-A177-3AD203B41FA5}">
-                      <a16:colId xmlns="" xmlns:a16="http://schemas.microsoft.com/office/drawing/2014/main" val="2563037860"/>
+                      <a16:colId xmlns:a16="http://schemas.microsoft.com/office/drawing/2014/main" xmlns="" val="2563037860"/>
                     </a:ext>
                   </a:extLst>
                 </a:gridCol>
@@ -7322,7 +7331,7 @@
                 </a:tc>
                 <a:extLst>
                   <a:ext uri="{0D108BD9-81ED-4DB2-BD59-A6C34878D82A}">
-                    <a16:rowId xmlns="" xmlns:a16="http://schemas.microsoft.com/office/drawing/2014/main" val="3329484029"/>
+                    <a16:rowId xmlns:a16="http://schemas.microsoft.com/office/drawing/2014/main" xmlns="" val="3329484029"/>
                   </a:ext>
                 </a:extLst>
               </a:tr>
@@ -7408,7 +7417,7 @@
                 </a:tc>
                 <a:extLst>
                   <a:ext uri="{0D108BD9-81ED-4DB2-BD59-A6C34878D82A}">
-                    <a16:rowId xmlns="" xmlns:a16="http://schemas.microsoft.com/office/drawing/2014/main" val="940721155"/>
+                    <a16:rowId xmlns:a16="http://schemas.microsoft.com/office/drawing/2014/main" xmlns="" val="940721155"/>
                   </a:ext>
                 </a:extLst>
               </a:tr>
@@ -7487,7 +7496,7 @@
                 </a:tc>
                 <a:extLst>
                   <a:ext uri="{0D108BD9-81ED-4DB2-BD59-A6C34878D82A}">
-                    <a16:rowId xmlns="" xmlns:a16="http://schemas.microsoft.com/office/drawing/2014/main" val="3524680130"/>
+                    <a16:rowId xmlns:a16="http://schemas.microsoft.com/office/drawing/2014/main" xmlns="" val="3524680130"/>
                   </a:ext>
                 </a:extLst>
               </a:tr>
@@ -7500,7 +7509,7 @@
           <p:cNvPr id="6" name="TextBox 5">
             <a:extLst>
               <a:ext uri="{FF2B5EF4-FFF2-40B4-BE49-F238E27FC236}">
-                <a16:creationId xmlns="" xmlns:a16="http://schemas.microsoft.com/office/drawing/2014/main" id="{DD5CDF78-8C57-46C9-9829-ADB8A3B199F7}"/>
+                <a16:creationId xmlns:a16="http://schemas.microsoft.com/office/drawing/2014/main" xmlns="" id="{DD5CDF78-8C57-46C9-9829-ADB8A3B199F7}"/>
               </a:ext>
             </a:extLst>
           </p:cNvPr>
@@ -7550,7 +7559,7 @@
     </p:spTree>
     <p:extLst>
       <p:ext uri="{BB962C8B-B14F-4D97-AF65-F5344CB8AC3E}">
-        <p14:creationId xmlns="" xmlns:p14="http://schemas.microsoft.com/office/powerpoint/2010/main" val="2650673285"/>
+        <p14:creationId xmlns:p14="http://schemas.microsoft.com/office/powerpoint/2010/main" xmlns="" val="2650673285"/>
       </p:ext>
     </p:extLst>
   </p:cSld>
@@ -7589,7 +7598,7 @@
           <p:cNvPr id="3" name="TextBox 2">
             <a:extLst>
               <a:ext uri="{FF2B5EF4-FFF2-40B4-BE49-F238E27FC236}">
-                <a16:creationId xmlns="" xmlns:a16="http://schemas.microsoft.com/office/drawing/2014/main" id="{DD5CDF78-8C57-46C9-9829-ADB8A3B199F7}"/>
+                <a16:creationId xmlns:a16="http://schemas.microsoft.com/office/drawing/2014/main" xmlns="" id="{DD5CDF78-8C57-46C9-9829-ADB8A3B199F7}"/>
               </a:ext>
             </a:extLst>
           </p:cNvPr>
@@ -7648,7 +7657,7 @@
           <p:cNvPr id="7" name="Table 7">
             <a:extLst>
               <a:ext uri="{FF2B5EF4-FFF2-40B4-BE49-F238E27FC236}">
-                <a16:creationId xmlns="" xmlns:a16="http://schemas.microsoft.com/office/drawing/2014/main" id="{0C9471F9-E15F-463B-9F73-4FB483F7B0DA}"/>
+                <a16:creationId xmlns:a16="http://schemas.microsoft.com/office/drawing/2014/main" xmlns="" id="{0C9471F9-E15F-463B-9F73-4FB483F7B0DA}"/>
               </a:ext>
             </a:extLst>
           </p:cNvPr>
@@ -7658,7 +7667,7 @@
           <p:nvPr>
             <p:extLst>
               <p:ext uri="{D42A27DB-BD31-4B8C-83A1-F6EECF244321}">
-                <p14:modId xmlns="" xmlns:p14="http://schemas.microsoft.com/office/powerpoint/2010/main" val="3185579963"/>
+                <p14:modId xmlns:p14="http://schemas.microsoft.com/office/powerpoint/2010/main" xmlns="" val="3185579963"/>
               </p:ext>
             </p:extLst>
           </p:nvPr>
@@ -7677,35 +7686,35 @@
                 <a:gridCol w="1414668">
                   <a:extLst>
                     <a:ext uri="{9D8B030D-6E8A-4147-A177-3AD203B41FA5}">
-                      <a16:colId xmlns="" xmlns:a16="http://schemas.microsoft.com/office/drawing/2014/main" val="450970297"/>
+                      <a16:colId xmlns:a16="http://schemas.microsoft.com/office/drawing/2014/main" xmlns="" val="450970297"/>
                     </a:ext>
                   </a:extLst>
                 </a:gridCol>
                 <a:gridCol w="1428531">
                   <a:extLst>
                     <a:ext uri="{9D8B030D-6E8A-4147-A177-3AD203B41FA5}">
-                      <a16:colId xmlns="" xmlns:a16="http://schemas.microsoft.com/office/drawing/2014/main" val="1842265827"/>
+                      <a16:colId xmlns:a16="http://schemas.microsoft.com/office/drawing/2014/main" xmlns="" val="1842265827"/>
                     </a:ext>
                   </a:extLst>
                 </a:gridCol>
                 <a:gridCol w="1075057">
                   <a:extLst>
                     <a:ext uri="{9D8B030D-6E8A-4147-A177-3AD203B41FA5}">
-                      <a16:colId xmlns="" xmlns:a16="http://schemas.microsoft.com/office/drawing/2014/main" val="911393503"/>
+                      <a16:colId xmlns:a16="http://schemas.microsoft.com/office/drawing/2014/main" xmlns="" val="911393503"/>
                     </a:ext>
                   </a:extLst>
                 </a:gridCol>
                 <a:gridCol w="1378646">
                   <a:extLst>
                     <a:ext uri="{9D8B030D-6E8A-4147-A177-3AD203B41FA5}">
-                      <a16:colId xmlns="" xmlns:a16="http://schemas.microsoft.com/office/drawing/2014/main" val="556450556"/>
+                      <a16:colId xmlns:a16="http://schemas.microsoft.com/office/drawing/2014/main" xmlns="" val="556450556"/>
                     </a:ext>
                   </a:extLst>
                 </a:gridCol>
                 <a:gridCol w="1831891">
                   <a:extLst>
                     <a:ext uri="{9D8B030D-6E8A-4147-A177-3AD203B41FA5}">
-                      <a16:colId xmlns="" xmlns:a16="http://schemas.microsoft.com/office/drawing/2014/main" val="2563037860"/>
+                      <a16:colId xmlns:a16="http://schemas.microsoft.com/office/drawing/2014/main" xmlns="" val="2563037860"/>
                     </a:ext>
                   </a:extLst>
                 </a:gridCol>
@@ -7778,7 +7787,7 @@
                 </a:tc>
                 <a:extLst>
                   <a:ext uri="{0D108BD9-81ED-4DB2-BD59-A6C34878D82A}">
-                    <a16:rowId xmlns="" xmlns:a16="http://schemas.microsoft.com/office/drawing/2014/main" val="1433666847"/>
+                    <a16:rowId xmlns:a16="http://schemas.microsoft.com/office/drawing/2014/main" xmlns="" val="1433666847"/>
                   </a:ext>
                 </a:extLst>
               </a:tr>
@@ -7857,7 +7866,7 @@
                 </a:tc>
                 <a:extLst>
                   <a:ext uri="{0D108BD9-81ED-4DB2-BD59-A6C34878D82A}">
-                    <a16:rowId xmlns="" xmlns:a16="http://schemas.microsoft.com/office/drawing/2014/main" val="3329484029"/>
+                    <a16:rowId xmlns:a16="http://schemas.microsoft.com/office/drawing/2014/main" xmlns="" val="3329484029"/>
                   </a:ext>
                 </a:extLst>
               </a:tr>
@@ -7937,7 +7946,7 @@
                 </a:tc>
                 <a:extLst>
                   <a:ext uri="{0D108BD9-81ED-4DB2-BD59-A6C34878D82A}">
-                    <a16:rowId xmlns="" xmlns:a16="http://schemas.microsoft.com/office/drawing/2014/main" val="10002"/>
+                    <a16:rowId xmlns:a16="http://schemas.microsoft.com/office/drawing/2014/main" xmlns="" val="10002"/>
                   </a:ext>
                 </a:extLst>
               </a:tr>
@@ -8019,7 +8028,7 @@
                 </a:tc>
                 <a:extLst>
                   <a:ext uri="{0D108BD9-81ED-4DB2-BD59-A6C34878D82A}">
-                    <a16:rowId xmlns="" xmlns:a16="http://schemas.microsoft.com/office/drawing/2014/main" val="940721155"/>
+                    <a16:rowId xmlns:a16="http://schemas.microsoft.com/office/drawing/2014/main" xmlns="" val="940721155"/>
                   </a:ext>
                 </a:extLst>
               </a:tr>
@@ -8100,7 +8109,7 @@
                 </a:tc>
                 <a:extLst>
                   <a:ext uri="{0D108BD9-81ED-4DB2-BD59-A6C34878D82A}">
-                    <a16:rowId xmlns="" xmlns:a16="http://schemas.microsoft.com/office/drawing/2014/main" val="442101112"/>
+                    <a16:rowId xmlns:a16="http://schemas.microsoft.com/office/drawing/2014/main" xmlns="" val="442101112"/>
                   </a:ext>
                 </a:extLst>
               </a:tr>
@@ -8113,7 +8122,7 @@
           <p:cNvPr id="6" name="TextBox 5">
             <a:extLst>
               <a:ext uri="{FF2B5EF4-FFF2-40B4-BE49-F238E27FC236}">
-                <a16:creationId xmlns="" xmlns:a16="http://schemas.microsoft.com/office/drawing/2014/main" id="{DD5CDF78-8C57-46C9-9829-ADB8A3B199F7}"/>
+                <a16:creationId xmlns:a16="http://schemas.microsoft.com/office/drawing/2014/main" xmlns="" id="{DD5CDF78-8C57-46C9-9829-ADB8A3B199F7}"/>
               </a:ext>
             </a:extLst>
           </p:cNvPr>
@@ -8173,7 +8182,7 @@
     </p:spTree>
     <p:extLst>
       <p:ext uri="{BB962C8B-B14F-4D97-AF65-F5344CB8AC3E}">
-        <p14:creationId xmlns="" xmlns:p14="http://schemas.microsoft.com/office/powerpoint/2010/main" val="3102779270"/>
+        <p14:creationId xmlns:p14="http://schemas.microsoft.com/office/powerpoint/2010/main" xmlns="" val="3102779270"/>
       </p:ext>
     </p:extLst>
   </p:cSld>
@@ -8212,7 +8221,7 @@
           <p:cNvPr id="3" name="TextBox 2">
             <a:extLst>
               <a:ext uri="{FF2B5EF4-FFF2-40B4-BE49-F238E27FC236}">
-                <a16:creationId xmlns="" xmlns:a16="http://schemas.microsoft.com/office/drawing/2014/main" id="{DD5CDF78-8C57-46C9-9829-ADB8A3B199F7}"/>
+                <a16:creationId xmlns:a16="http://schemas.microsoft.com/office/drawing/2014/main" xmlns="" id="{DD5CDF78-8C57-46C9-9829-ADB8A3B199F7}"/>
               </a:ext>
             </a:extLst>
           </p:cNvPr>
@@ -8281,7 +8290,7 @@
           <p:cNvPr id="7" name="Table 7">
             <a:extLst>
               <a:ext uri="{FF2B5EF4-FFF2-40B4-BE49-F238E27FC236}">
-                <a16:creationId xmlns="" xmlns:a16="http://schemas.microsoft.com/office/drawing/2014/main" id="{0C9471F9-E15F-463B-9F73-4FB483F7B0DA}"/>
+                <a16:creationId xmlns:a16="http://schemas.microsoft.com/office/drawing/2014/main" xmlns="" id="{0C9471F9-E15F-463B-9F73-4FB483F7B0DA}"/>
               </a:ext>
             </a:extLst>
           </p:cNvPr>
@@ -8291,7 +8300,7 @@
           <p:nvPr>
             <p:extLst>
               <p:ext uri="{D42A27DB-BD31-4B8C-83A1-F6EECF244321}">
-                <p14:modId xmlns="" xmlns:p14="http://schemas.microsoft.com/office/powerpoint/2010/main" val="1993637996"/>
+                <p14:modId xmlns:p14="http://schemas.microsoft.com/office/powerpoint/2010/main" xmlns="" val="1993637996"/>
               </p:ext>
             </p:extLst>
           </p:nvPr>
@@ -8310,35 +8319,35 @@
                 <a:gridCol w="1414668">
                   <a:extLst>
                     <a:ext uri="{9D8B030D-6E8A-4147-A177-3AD203B41FA5}">
-                      <a16:colId xmlns="" xmlns:a16="http://schemas.microsoft.com/office/drawing/2014/main" val="450970297"/>
+                      <a16:colId xmlns:a16="http://schemas.microsoft.com/office/drawing/2014/main" xmlns="" val="450970297"/>
                     </a:ext>
                   </a:extLst>
                 </a:gridCol>
                 <a:gridCol w="1428531">
                   <a:extLst>
                     <a:ext uri="{9D8B030D-6E8A-4147-A177-3AD203B41FA5}">
-                      <a16:colId xmlns="" xmlns:a16="http://schemas.microsoft.com/office/drawing/2014/main" val="1842265827"/>
+                      <a16:colId xmlns:a16="http://schemas.microsoft.com/office/drawing/2014/main" xmlns="" val="1842265827"/>
                     </a:ext>
                   </a:extLst>
                 </a:gridCol>
                 <a:gridCol w="1075057">
                   <a:extLst>
                     <a:ext uri="{9D8B030D-6E8A-4147-A177-3AD203B41FA5}">
-                      <a16:colId xmlns="" xmlns:a16="http://schemas.microsoft.com/office/drawing/2014/main" val="911393503"/>
+                      <a16:colId xmlns:a16="http://schemas.microsoft.com/office/drawing/2014/main" xmlns="" val="911393503"/>
                     </a:ext>
                   </a:extLst>
                 </a:gridCol>
                 <a:gridCol w="1378646">
                   <a:extLst>
                     <a:ext uri="{9D8B030D-6E8A-4147-A177-3AD203B41FA5}">
-                      <a16:colId xmlns="" xmlns:a16="http://schemas.microsoft.com/office/drawing/2014/main" val="556450556"/>
+                      <a16:colId xmlns:a16="http://schemas.microsoft.com/office/drawing/2014/main" xmlns="" val="556450556"/>
                     </a:ext>
                   </a:extLst>
                 </a:gridCol>
                 <a:gridCol w="1831891">
                   <a:extLst>
                     <a:ext uri="{9D8B030D-6E8A-4147-A177-3AD203B41FA5}">
-                      <a16:colId xmlns="" xmlns:a16="http://schemas.microsoft.com/office/drawing/2014/main" val="2563037860"/>
+                      <a16:colId xmlns:a16="http://schemas.microsoft.com/office/drawing/2014/main" xmlns="" val="2563037860"/>
                     </a:ext>
                   </a:extLst>
                 </a:gridCol>
@@ -8411,7 +8420,7 @@
                 </a:tc>
                 <a:extLst>
                   <a:ext uri="{0D108BD9-81ED-4DB2-BD59-A6C34878D82A}">
-                    <a16:rowId xmlns="" xmlns:a16="http://schemas.microsoft.com/office/drawing/2014/main" val="1433666847"/>
+                    <a16:rowId xmlns:a16="http://schemas.microsoft.com/office/drawing/2014/main" xmlns="" val="1433666847"/>
                   </a:ext>
                 </a:extLst>
               </a:tr>
@@ -8493,7 +8502,7 @@
                 </a:tc>
                 <a:extLst>
                   <a:ext uri="{0D108BD9-81ED-4DB2-BD59-A6C34878D82A}">
-                    <a16:rowId xmlns="" xmlns:a16="http://schemas.microsoft.com/office/drawing/2014/main" val="3329484029"/>
+                    <a16:rowId xmlns:a16="http://schemas.microsoft.com/office/drawing/2014/main" xmlns="" val="3329484029"/>
                   </a:ext>
                 </a:extLst>
               </a:tr>
@@ -8573,7 +8582,7 @@
                 </a:tc>
                 <a:extLst>
                   <a:ext uri="{0D108BD9-81ED-4DB2-BD59-A6C34878D82A}">
-                    <a16:rowId xmlns="" xmlns:a16="http://schemas.microsoft.com/office/drawing/2014/main" val="940721155"/>
+                    <a16:rowId xmlns:a16="http://schemas.microsoft.com/office/drawing/2014/main" xmlns="" val="940721155"/>
                   </a:ext>
                 </a:extLst>
               </a:tr>
@@ -8646,7 +8655,7 @@
                 </a:tc>
                 <a:extLst>
                   <a:ext uri="{0D108BD9-81ED-4DB2-BD59-A6C34878D82A}">
-                    <a16:rowId xmlns="" xmlns:a16="http://schemas.microsoft.com/office/drawing/2014/main" val="1999336282"/>
+                    <a16:rowId xmlns:a16="http://schemas.microsoft.com/office/drawing/2014/main" xmlns="" val="1999336282"/>
                   </a:ext>
                 </a:extLst>
               </a:tr>
@@ -8727,7 +8736,7 @@
                 </a:tc>
                 <a:extLst>
                   <a:ext uri="{0D108BD9-81ED-4DB2-BD59-A6C34878D82A}">
-                    <a16:rowId xmlns="" xmlns:a16="http://schemas.microsoft.com/office/drawing/2014/main" val="343356523"/>
+                    <a16:rowId xmlns:a16="http://schemas.microsoft.com/office/drawing/2014/main" xmlns="" val="343356523"/>
                   </a:ext>
                 </a:extLst>
               </a:tr>
@@ -8740,7 +8749,7 @@
           <p:cNvPr id="6" name="TextBox 5">
             <a:extLst>
               <a:ext uri="{FF2B5EF4-FFF2-40B4-BE49-F238E27FC236}">
-                <a16:creationId xmlns="" xmlns:a16="http://schemas.microsoft.com/office/drawing/2014/main" id="{DD5CDF78-8C57-46C9-9829-ADB8A3B199F7}"/>
+                <a16:creationId xmlns:a16="http://schemas.microsoft.com/office/drawing/2014/main" xmlns="" id="{DD5CDF78-8C57-46C9-9829-ADB8A3B199F7}"/>
               </a:ext>
             </a:extLst>
           </p:cNvPr>
@@ -8800,7 +8809,7 @@
     </p:spTree>
     <p:extLst>
       <p:ext uri="{BB962C8B-B14F-4D97-AF65-F5344CB8AC3E}">
-        <p14:creationId xmlns="" xmlns:p14="http://schemas.microsoft.com/office/powerpoint/2010/main" val="3474838846"/>
+        <p14:creationId xmlns:p14="http://schemas.microsoft.com/office/powerpoint/2010/main" xmlns="" val="3474838846"/>
       </p:ext>
     </p:extLst>
   </p:cSld>
@@ -8839,7 +8848,7 @@
           <p:cNvPr id="3" name="TextBox 2">
             <a:extLst>
               <a:ext uri="{FF2B5EF4-FFF2-40B4-BE49-F238E27FC236}">
-                <a16:creationId xmlns="" xmlns:a16="http://schemas.microsoft.com/office/drawing/2014/main" id="{DD5CDF78-8C57-46C9-9829-ADB8A3B199F7}"/>
+                <a16:creationId xmlns:a16="http://schemas.microsoft.com/office/drawing/2014/main" xmlns="" id="{DD5CDF78-8C57-46C9-9829-ADB8A3B199F7}"/>
               </a:ext>
             </a:extLst>
           </p:cNvPr>
@@ -8908,7 +8917,7 @@
           <p:cNvPr id="7" name="Table 7">
             <a:extLst>
               <a:ext uri="{FF2B5EF4-FFF2-40B4-BE49-F238E27FC236}">
-                <a16:creationId xmlns="" xmlns:a16="http://schemas.microsoft.com/office/drawing/2014/main" id="{0C9471F9-E15F-463B-9F73-4FB483F7B0DA}"/>
+                <a16:creationId xmlns:a16="http://schemas.microsoft.com/office/drawing/2014/main" xmlns="" id="{0C9471F9-E15F-463B-9F73-4FB483F7B0DA}"/>
               </a:ext>
             </a:extLst>
           </p:cNvPr>
@@ -8918,7 +8927,7 @@
           <p:nvPr>
             <p:extLst>
               <p:ext uri="{D42A27DB-BD31-4B8C-83A1-F6EECF244321}">
-                <p14:modId xmlns="" xmlns:p14="http://schemas.microsoft.com/office/powerpoint/2010/main" val="1614415184"/>
+                <p14:modId xmlns:p14="http://schemas.microsoft.com/office/powerpoint/2010/main" xmlns="" val="1614415184"/>
               </p:ext>
             </p:extLst>
           </p:nvPr>
@@ -8937,35 +8946,35 @@
                 <a:gridCol w="1414668">
                   <a:extLst>
                     <a:ext uri="{9D8B030D-6E8A-4147-A177-3AD203B41FA5}">
-                      <a16:colId xmlns="" xmlns:a16="http://schemas.microsoft.com/office/drawing/2014/main" val="450970297"/>
+                      <a16:colId xmlns:a16="http://schemas.microsoft.com/office/drawing/2014/main" xmlns="" val="450970297"/>
                     </a:ext>
                   </a:extLst>
                 </a:gridCol>
                 <a:gridCol w="1428531">
                   <a:extLst>
                     <a:ext uri="{9D8B030D-6E8A-4147-A177-3AD203B41FA5}">
-                      <a16:colId xmlns="" xmlns:a16="http://schemas.microsoft.com/office/drawing/2014/main" val="1842265827"/>
+                      <a16:colId xmlns:a16="http://schemas.microsoft.com/office/drawing/2014/main" xmlns="" val="1842265827"/>
                     </a:ext>
                   </a:extLst>
                 </a:gridCol>
                 <a:gridCol w="1075057">
                   <a:extLst>
                     <a:ext uri="{9D8B030D-6E8A-4147-A177-3AD203B41FA5}">
-                      <a16:colId xmlns="" xmlns:a16="http://schemas.microsoft.com/office/drawing/2014/main" val="911393503"/>
+                      <a16:colId xmlns:a16="http://schemas.microsoft.com/office/drawing/2014/main" xmlns="" val="911393503"/>
                     </a:ext>
                   </a:extLst>
                 </a:gridCol>
                 <a:gridCol w="1378646">
                   <a:extLst>
                     <a:ext uri="{9D8B030D-6E8A-4147-A177-3AD203B41FA5}">
-                      <a16:colId xmlns="" xmlns:a16="http://schemas.microsoft.com/office/drawing/2014/main" val="556450556"/>
+                      <a16:colId xmlns:a16="http://schemas.microsoft.com/office/drawing/2014/main" xmlns="" val="556450556"/>
                     </a:ext>
                   </a:extLst>
                 </a:gridCol>
                 <a:gridCol w="1831891">
                   <a:extLst>
                     <a:ext uri="{9D8B030D-6E8A-4147-A177-3AD203B41FA5}">
-                      <a16:colId xmlns="" xmlns:a16="http://schemas.microsoft.com/office/drawing/2014/main" val="2563037860"/>
+                      <a16:colId xmlns:a16="http://schemas.microsoft.com/office/drawing/2014/main" xmlns="" val="2563037860"/>
                     </a:ext>
                   </a:extLst>
                 </a:gridCol>
@@ -9038,7 +9047,7 @@
                 </a:tc>
                 <a:extLst>
                   <a:ext uri="{0D108BD9-81ED-4DB2-BD59-A6C34878D82A}">
-                    <a16:rowId xmlns="" xmlns:a16="http://schemas.microsoft.com/office/drawing/2014/main" val="1433666847"/>
+                    <a16:rowId xmlns:a16="http://schemas.microsoft.com/office/drawing/2014/main" xmlns="" val="1433666847"/>
                   </a:ext>
                 </a:extLst>
               </a:tr>
@@ -9121,7 +9130,7 @@
                 </a:tc>
                 <a:extLst>
                   <a:ext uri="{0D108BD9-81ED-4DB2-BD59-A6C34878D82A}">
-                    <a16:rowId xmlns="" xmlns:a16="http://schemas.microsoft.com/office/drawing/2014/main" val="3329484029"/>
+                    <a16:rowId xmlns:a16="http://schemas.microsoft.com/office/drawing/2014/main" xmlns="" val="3329484029"/>
                   </a:ext>
                 </a:extLst>
               </a:tr>
@@ -9201,7 +9210,7 @@
                 </a:tc>
                 <a:extLst>
                   <a:ext uri="{0D108BD9-81ED-4DB2-BD59-A6C34878D82A}">
-                    <a16:rowId xmlns="" xmlns:a16="http://schemas.microsoft.com/office/drawing/2014/main" val="940721155"/>
+                    <a16:rowId xmlns:a16="http://schemas.microsoft.com/office/drawing/2014/main" xmlns="" val="940721155"/>
                   </a:ext>
                 </a:extLst>
               </a:tr>
@@ -9275,7 +9284,7 @@
                 </a:tc>
                 <a:extLst>
                   <a:ext uri="{0D108BD9-81ED-4DB2-BD59-A6C34878D82A}">
-                    <a16:rowId xmlns="" xmlns:a16="http://schemas.microsoft.com/office/drawing/2014/main" val="3524680130"/>
+                    <a16:rowId xmlns:a16="http://schemas.microsoft.com/office/drawing/2014/main" xmlns="" val="3524680130"/>
                   </a:ext>
                 </a:extLst>
               </a:tr>
@@ -9348,7 +9357,7 @@
                 </a:tc>
                 <a:extLst>
                   <a:ext uri="{0D108BD9-81ED-4DB2-BD59-A6C34878D82A}">
-                    <a16:rowId xmlns="" xmlns:a16="http://schemas.microsoft.com/office/drawing/2014/main" val="1999336282"/>
+                    <a16:rowId xmlns:a16="http://schemas.microsoft.com/office/drawing/2014/main" xmlns="" val="1999336282"/>
                   </a:ext>
                 </a:extLst>
               </a:tr>
@@ -9433,7 +9442,7 @@
                 </a:tc>
                 <a:extLst>
                   <a:ext uri="{0D108BD9-81ED-4DB2-BD59-A6C34878D82A}">
-                    <a16:rowId xmlns="" xmlns:a16="http://schemas.microsoft.com/office/drawing/2014/main" val="343356523"/>
+                    <a16:rowId xmlns:a16="http://schemas.microsoft.com/office/drawing/2014/main" xmlns="" val="343356523"/>
                   </a:ext>
                 </a:extLst>
               </a:tr>
@@ -9516,7 +9525,7 @@
                 </a:tc>
                 <a:extLst>
                   <a:ext uri="{0D108BD9-81ED-4DB2-BD59-A6C34878D82A}">
-                    <a16:rowId xmlns="" xmlns:a16="http://schemas.microsoft.com/office/drawing/2014/main" val="10006"/>
+                    <a16:rowId xmlns:a16="http://schemas.microsoft.com/office/drawing/2014/main" xmlns="" val="10006"/>
                   </a:ext>
                 </a:extLst>
               </a:tr>
@@ -9529,7 +9538,7 @@
           <p:cNvPr id="6" name="TextBox 5">
             <a:extLst>
               <a:ext uri="{FF2B5EF4-FFF2-40B4-BE49-F238E27FC236}">
-                <a16:creationId xmlns="" xmlns:a16="http://schemas.microsoft.com/office/drawing/2014/main" id="{DD5CDF78-8C57-46C9-9829-ADB8A3B199F7}"/>
+                <a16:creationId xmlns:a16="http://schemas.microsoft.com/office/drawing/2014/main" xmlns="" id="{DD5CDF78-8C57-46C9-9829-ADB8A3B199F7}"/>
               </a:ext>
             </a:extLst>
           </p:cNvPr>
@@ -9589,7 +9598,7 @@
     </p:spTree>
     <p:extLst>
       <p:ext uri="{BB962C8B-B14F-4D97-AF65-F5344CB8AC3E}">
-        <p14:creationId xmlns="" xmlns:p14="http://schemas.microsoft.com/office/powerpoint/2010/main" val="3474838846"/>
+        <p14:creationId xmlns:p14="http://schemas.microsoft.com/office/powerpoint/2010/main" xmlns="" val="3474838846"/>
       </p:ext>
     </p:extLst>
   </p:cSld>
@@ -9621,7 +9630,7 @@
           <p:cNvPr id="3" name="TextBox 2">
             <a:extLst>
               <a:ext uri="{FF2B5EF4-FFF2-40B4-BE49-F238E27FC236}">
-                <a16:creationId xmlns="" xmlns:a16="http://schemas.microsoft.com/office/drawing/2014/main" id="{DD5CDF78-8C57-46C9-9829-ADB8A3B199F7}"/>
+                <a16:creationId xmlns:a16="http://schemas.microsoft.com/office/drawing/2014/main" xmlns="" id="{DD5CDF78-8C57-46C9-9829-ADB8A3B199F7}"/>
               </a:ext>
             </a:extLst>
           </p:cNvPr>
@@ -9673,7 +9682,7 @@
           <p:cNvPr id="7" name="Table 7">
             <a:extLst>
               <a:ext uri="{FF2B5EF4-FFF2-40B4-BE49-F238E27FC236}">
-                <a16:creationId xmlns="" xmlns:a16="http://schemas.microsoft.com/office/drawing/2014/main" id="{0C9471F9-E15F-463B-9F73-4FB483F7B0DA}"/>
+                <a16:creationId xmlns:a16="http://schemas.microsoft.com/office/drawing/2014/main" xmlns="" id="{0C9471F9-E15F-463B-9F73-4FB483F7B0DA}"/>
               </a:ext>
             </a:extLst>
           </p:cNvPr>
@@ -9683,7 +9692,7 @@
           <p:nvPr>
             <p:extLst>
               <p:ext uri="{D42A27DB-BD31-4B8C-83A1-F6EECF244321}">
-                <p14:modId xmlns="" xmlns:p14="http://schemas.microsoft.com/office/powerpoint/2010/main" val="750372662"/>
+                <p14:modId xmlns:p14="http://schemas.microsoft.com/office/powerpoint/2010/main" xmlns="" val="750372662"/>
               </p:ext>
             </p:extLst>
           </p:nvPr>
@@ -9702,35 +9711,35 @@
                 <a:gridCol w="1414668">
                   <a:extLst>
                     <a:ext uri="{9D8B030D-6E8A-4147-A177-3AD203B41FA5}">
-                      <a16:colId xmlns="" xmlns:a16="http://schemas.microsoft.com/office/drawing/2014/main" val="450970297"/>
+                      <a16:colId xmlns:a16="http://schemas.microsoft.com/office/drawing/2014/main" xmlns="" val="450970297"/>
                     </a:ext>
                   </a:extLst>
                 </a:gridCol>
                 <a:gridCol w="1428531">
                   <a:extLst>
                     <a:ext uri="{9D8B030D-6E8A-4147-A177-3AD203B41FA5}">
-                      <a16:colId xmlns="" xmlns:a16="http://schemas.microsoft.com/office/drawing/2014/main" val="1842265827"/>
+                      <a16:colId xmlns:a16="http://schemas.microsoft.com/office/drawing/2014/main" xmlns="" val="1842265827"/>
                     </a:ext>
                   </a:extLst>
                 </a:gridCol>
                 <a:gridCol w="1075057">
                   <a:extLst>
                     <a:ext uri="{9D8B030D-6E8A-4147-A177-3AD203B41FA5}">
-                      <a16:colId xmlns="" xmlns:a16="http://schemas.microsoft.com/office/drawing/2014/main" val="911393503"/>
+                      <a16:colId xmlns:a16="http://schemas.microsoft.com/office/drawing/2014/main" xmlns="" val="911393503"/>
                     </a:ext>
                   </a:extLst>
                 </a:gridCol>
                 <a:gridCol w="1378646">
                   <a:extLst>
                     <a:ext uri="{9D8B030D-6E8A-4147-A177-3AD203B41FA5}">
-                      <a16:colId xmlns="" xmlns:a16="http://schemas.microsoft.com/office/drawing/2014/main" val="556450556"/>
+                      <a16:colId xmlns:a16="http://schemas.microsoft.com/office/drawing/2014/main" xmlns="" val="556450556"/>
                     </a:ext>
                   </a:extLst>
                 </a:gridCol>
                 <a:gridCol w="1831891">
                   <a:extLst>
                     <a:ext uri="{9D8B030D-6E8A-4147-A177-3AD203B41FA5}">
-                      <a16:colId xmlns="" xmlns:a16="http://schemas.microsoft.com/office/drawing/2014/main" val="2563037860"/>
+                      <a16:colId xmlns:a16="http://schemas.microsoft.com/office/drawing/2014/main" xmlns="" val="2563037860"/>
                     </a:ext>
                   </a:extLst>
                 </a:gridCol>
@@ -9803,7 +9812,7 @@
                 </a:tc>
                 <a:extLst>
                   <a:ext uri="{0D108BD9-81ED-4DB2-BD59-A6C34878D82A}">
-                    <a16:rowId xmlns="" xmlns:a16="http://schemas.microsoft.com/office/drawing/2014/main" val="1433666847"/>
+                    <a16:rowId xmlns:a16="http://schemas.microsoft.com/office/drawing/2014/main" xmlns="" val="1433666847"/>
                   </a:ext>
                 </a:extLst>
               </a:tr>
@@ -9885,7 +9894,7 @@
                 </a:tc>
                 <a:extLst>
                   <a:ext uri="{0D108BD9-81ED-4DB2-BD59-A6C34878D82A}">
-                    <a16:rowId xmlns="" xmlns:a16="http://schemas.microsoft.com/office/drawing/2014/main" val="3329484029"/>
+                    <a16:rowId xmlns:a16="http://schemas.microsoft.com/office/drawing/2014/main" xmlns="" val="3329484029"/>
                   </a:ext>
                 </a:extLst>
               </a:tr>
@@ -9965,7 +9974,7 @@
                 </a:tc>
                 <a:extLst>
                   <a:ext uri="{0D108BD9-81ED-4DB2-BD59-A6C34878D82A}">
-                    <a16:rowId xmlns="" xmlns:a16="http://schemas.microsoft.com/office/drawing/2014/main" val="3524680130"/>
+                    <a16:rowId xmlns:a16="http://schemas.microsoft.com/office/drawing/2014/main" xmlns="" val="3524680130"/>
                   </a:ext>
                 </a:extLst>
               </a:tr>
@@ -10044,7 +10053,7 @@
                 </a:tc>
                 <a:extLst>
                   <a:ext uri="{0D108BD9-81ED-4DB2-BD59-A6C34878D82A}">
-                    <a16:rowId xmlns="" xmlns:a16="http://schemas.microsoft.com/office/drawing/2014/main" val="10004"/>
+                    <a16:rowId xmlns:a16="http://schemas.microsoft.com/office/drawing/2014/main" xmlns="" val="10004"/>
                   </a:ext>
                 </a:extLst>
               </a:tr>
@@ -10117,7 +10126,7 @@
                 </a:tc>
                 <a:extLst>
                   <a:ext uri="{0D108BD9-81ED-4DB2-BD59-A6C34878D82A}">
-                    <a16:rowId xmlns="" xmlns:a16="http://schemas.microsoft.com/office/drawing/2014/main" val="442101112"/>
+                    <a16:rowId xmlns:a16="http://schemas.microsoft.com/office/drawing/2014/main" xmlns="" val="442101112"/>
                   </a:ext>
                 </a:extLst>
               </a:tr>
@@ -10130,7 +10139,7 @@
           <p:cNvPr id="6" name="TextBox 5">
             <a:extLst>
               <a:ext uri="{FF2B5EF4-FFF2-40B4-BE49-F238E27FC236}">
-                <a16:creationId xmlns="" xmlns:a16="http://schemas.microsoft.com/office/drawing/2014/main" id="{DD5CDF78-8C57-46C9-9829-ADB8A3B199F7}"/>
+                <a16:creationId xmlns:a16="http://schemas.microsoft.com/office/drawing/2014/main" xmlns="" id="{DD5CDF78-8C57-46C9-9829-ADB8A3B199F7}"/>
               </a:ext>
             </a:extLst>
           </p:cNvPr>
@@ -10190,7 +10199,7 @@
     </p:spTree>
     <p:extLst>
       <p:ext uri="{BB962C8B-B14F-4D97-AF65-F5344CB8AC3E}">
-        <p14:creationId xmlns="" xmlns:p14="http://schemas.microsoft.com/office/powerpoint/2010/main" val="3410496985"/>
+        <p14:creationId xmlns:p14="http://schemas.microsoft.com/office/powerpoint/2010/main" xmlns="" val="3410496985"/>
       </p:ext>
     </p:extLst>
   </p:cSld>
@@ -10222,7 +10231,7 @@
           <p:cNvPr id="3" name="TextBox 2">
             <a:extLst>
               <a:ext uri="{FF2B5EF4-FFF2-40B4-BE49-F238E27FC236}">
-                <a16:creationId xmlns="" xmlns:a16="http://schemas.microsoft.com/office/drawing/2014/main" id="{DD5CDF78-8C57-46C9-9829-ADB8A3B199F7}"/>
+                <a16:creationId xmlns:a16="http://schemas.microsoft.com/office/drawing/2014/main" xmlns="" id="{DD5CDF78-8C57-46C9-9829-ADB8A3B199F7}"/>
               </a:ext>
             </a:extLst>
           </p:cNvPr>
@@ -10274,7 +10283,7 @@
           <p:cNvPr id="7" name="Table 7">
             <a:extLst>
               <a:ext uri="{FF2B5EF4-FFF2-40B4-BE49-F238E27FC236}">
-                <a16:creationId xmlns="" xmlns:a16="http://schemas.microsoft.com/office/drawing/2014/main" id="{0C9471F9-E15F-463B-9F73-4FB483F7B0DA}"/>
+                <a16:creationId xmlns:a16="http://schemas.microsoft.com/office/drawing/2014/main" xmlns="" id="{0C9471F9-E15F-463B-9F73-4FB483F7B0DA}"/>
               </a:ext>
             </a:extLst>
           </p:cNvPr>
@@ -10284,7 +10293,7 @@
           <p:nvPr>
             <p:extLst>
               <p:ext uri="{D42A27DB-BD31-4B8C-83A1-F6EECF244321}">
-                <p14:modId xmlns="" xmlns:p14="http://schemas.microsoft.com/office/powerpoint/2010/main" val="3815905100"/>
+                <p14:modId xmlns:p14="http://schemas.microsoft.com/office/powerpoint/2010/main" xmlns="" val="3815905100"/>
               </p:ext>
             </p:extLst>
           </p:nvPr>
@@ -10303,35 +10312,35 @@
                 <a:gridCol w="1414668">
                   <a:extLst>
                     <a:ext uri="{9D8B030D-6E8A-4147-A177-3AD203B41FA5}">
-                      <a16:colId xmlns="" xmlns:a16="http://schemas.microsoft.com/office/drawing/2014/main" val="450970297"/>
+                      <a16:colId xmlns:a16="http://schemas.microsoft.com/office/drawing/2014/main" xmlns="" val="450970297"/>
                     </a:ext>
                   </a:extLst>
                 </a:gridCol>
                 <a:gridCol w="1428531">
                   <a:extLst>
                     <a:ext uri="{9D8B030D-6E8A-4147-A177-3AD203B41FA5}">
-                      <a16:colId xmlns="" xmlns:a16="http://schemas.microsoft.com/office/drawing/2014/main" val="1842265827"/>
+                      <a16:colId xmlns:a16="http://schemas.microsoft.com/office/drawing/2014/main" xmlns="" val="1842265827"/>
                     </a:ext>
                   </a:extLst>
                 </a:gridCol>
                 <a:gridCol w="1075057">
                   <a:extLst>
                     <a:ext uri="{9D8B030D-6E8A-4147-A177-3AD203B41FA5}">
-                      <a16:colId xmlns="" xmlns:a16="http://schemas.microsoft.com/office/drawing/2014/main" val="911393503"/>
+                      <a16:colId xmlns:a16="http://schemas.microsoft.com/office/drawing/2014/main" xmlns="" val="911393503"/>
                     </a:ext>
                   </a:extLst>
                 </a:gridCol>
                 <a:gridCol w="1378646">
                   <a:extLst>
                     <a:ext uri="{9D8B030D-6E8A-4147-A177-3AD203B41FA5}">
-                      <a16:colId xmlns="" xmlns:a16="http://schemas.microsoft.com/office/drawing/2014/main" val="556450556"/>
+                      <a16:colId xmlns:a16="http://schemas.microsoft.com/office/drawing/2014/main" xmlns="" val="556450556"/>
                     </a:ext>
                   </a:extLst>
                 </a:gridCol>
                 <a:gridCol w="1831891">
                   <a:extLst>
                     <a:ext uri="{9D8B030D-6E8A-4147-A177-3AD203B41FA5}">
-                      <a16:colId xmlns="" xmlns:a16="http://schemas.microsoft.com/office/drawing/2014/main" val="2563037860"/>
+                      <a16:colId xmlns:a16="http://schemas.microsoft.com/office/drawing/2014/main" xmlns="" val="2563037860"/>
                     </a:ext>
                   </a:extLst>
                 </a:gridCol>
@@ -10404,7 +10413,7 @@
                 </a:tc>
                 <a:extLst>
                   <a:ext uri="{0D108BD9-81ED-4DB2-BD59-A6C34878D82A}">
-                    <a16:rowId xmlns="" xmlns:a16="http://schemas.microsoft.com/office/drawing/2014/main" val="1433666847"/>
+                    <a16:rowId xmlns:a16="http://schemas.microsoft.com/office/drawing/2014/main" xmlns="" val="1433666847"/>
                   </a:ext>
                 </a:extLst>
               </a:tr>
@@ -10478,7 +10487,7 @@
                 </a:tc>
                 <a:extLst>
                   <a:ext uri="{0D108BD9-81ED-4DB2-BD59-A6C34878D82A}">
-                    <a16:rowId xmlns="" xmlns:a16="http://schemas.microsoft.com/office/drawing/2014/main" val="3329484029"/>
+                    <a16:rowId xmlns:a16="http://schemas.microsoft.com/office/drawing/2014/main" xmlns="" val="3329484029"/>
                   </a:ext>
                 </a:extLst>
               </a:tr>
@@ -10550,7 +10559,7 @@
                 </a:tc>
                 <a:extLst>
                   <a:ext uri="{0D108BD9-81ED-4DB2-BD59-A6C34878D82A}">
-                    <a16:rowId xmlns="" xmlns:a16="http://schemas.microsoft.com/office/drawing/2014/main" val="3524680130"/>
+                    <a16:rowId xmlns:a16="http://schemas.microsoft.com/office/drawing/2014/main" xmlns="" val="3524680130"/>
                   </a:ext>
                 </a:extLst>
               </a:tr>
@@ -10629,7 +10638,7 @@
                 </a:tc>
                 <a:extLst>
                   <a:ext uri="{0D108BD9-81ED-4DB2-BD59-A6C34878D82A}">
-                    <a16:rowId xmlns="" xmlns:a16="http://schemas.microsoft.com/office/drawing/2014/main" val="10003"/>
+                    <a16:rowId xmlns:a16="http://schemas.microsoft.com/office/drawing/2014/main" xmlns="" val="10003"/>
                   </a:ext>
                 </a:extLst>
               </a:tr>
@@ -10712,7 +10721,7 @@
                 </a:tc>
                 <a:extLst>
                   <a:ext uri="{0D108BD9-81ED-4DB2-BD59-A6C34878D82A}">
-                    <a16:rowId xmlns="" xmlns:a16="http://schemas.microsoft.com/office/drawing/2014/main" val="442101112"/>
+                    <a16:rowId xmlns:a16="http://schemas.microsoft.com/office/drawing/2014/main" xmlns="" val="442101112"/>
                   </a:ext>
                 </a:extLst>
               </a:tr>
@@ -10725,7 +10734,7 @@
           <p:cNvPr id="6" name="TextBox 5">
             <a:extLst>
               <a:ext uri="{FF2B5EF4-FFF2-40B4-BE49-F238E27FC236}">
-                <a16:creationId xmlns="" xmlns:a16="http://schemas.microsoft.com/office/drawing/2014/main" id="{DD5CDF78-8C57-46C9-9829-ADB8A3B199F7}"/>
+                <a16:creationId xmlns:a16="http://schemas.microsoft.com/office/drawing/2014/main" xmlns="" id="{DD5CDF78-8C57-46C9-9829-ADB8A3B199F7}"/>
               </a:ext>
             </a:extLst>
           </p:cNvPr>
@@ -10775,7 +10784,7 @@
     </p:spTree>
     <p:extLst>
       <p:ext uri="{BB962C8B-B14F-4D97-AF65-F5344CB8AC3E}">
-        <p14:creationId xmlns="" xmlns:p14="http://schemas.microsoft.com/office/powerpoint/2010/main" val="718775649"/>
+        <p14:creationId xmlns:p14="http://schemas.microsoft.com/office/powerpoint/2010/main" xmlns="" val="718775649"/>
       </p:ext>
     </p:extLst>
   </p:cSld>
@@ -10807,7 +10816,7 @@
           <p:cNvPr id="3" name="TextBox 2">
             <a:extLst>
               <a:ext uri="{FF2B5EF4-FFF2-40B4-BE49-F238E27FC236}">
-                <a16:creationId xmlns="" xmlns:a16="http://schemas.microsoft.com/office/drawing/2014/main" id="{DD5CDF78-8C57-46C9-9829-ADB8A3B199F7}"/>
+                <a16:creationId xmlns:a16="http://schemas.microsoft.com/office/drawing/2014/main" xmlns="" id="{DD5CDF78-8C57-46C9-9829-ADB8A3B199F7}"/>
               </a:ext>
             </a:extLst>
           </p:cNvPr>
@@ -10859,7 +10868,7 @@
           <p:cNvPr id="7" name="Table 7">
             <a:extLst>
               <a:ext uri="{FF2B5EF4-FFF2-40B4-BE49-F238E27FC236}">
-                <a16:creationId xmlns="" xmlns:a16="http://schemas.microsoft.com/office/drawing/2014/main" id="{0C9471F9-E15F-463B-9F73-4FB483F7B0DA}"/>
+                <a16:creationId xmlns:a16="http://schemas.microsoft.com/office/drawing/2014/main" xmlns="" id="{0C9471F9-E15F-463B-9F73-4FB483F7B0DA}"/>
               </a:ext>
             </a:extLst>
           </p:cNvPr>
@@ -10869,7 +10878,7 @@
           <p:nvPr>
             <p:extLst>
               <p:ext uri="{D42A27DB-BD31-4B8C-83A1-F6EECF244321}">
-                <p14:modId xmlns="" xmlns:p14="http://schemas.microsoft.com/office/powerpoint/2010/main" val="545783966"/>
+                <p14:modId xmlns:p14="http://schemas.microsoft.com/office/powerpoint/2010/main" xmlns="" val="545783966"/>
               </p:ext>
             </p:extLst>
           </p:nvPr>
@@ -10888,35 +10897,35 @@
                 <a:gridCol w="1454410">
                   <a:extLst>
                     <a:ext uri="{9D8B030D-6E8A-4147-A177-3AD203B41FA5}">
-                      <a16:colId xmlns="" xmlns:a16="http://schemas.microsoft.com/office/drawing/2014/main" val="450970297"/>
+                      <a16:colId xmlns:a16="http://schemas.microsoft.com/office/drawing/2014/main" xmlns="" val="450970297"/>
                     </a:ext>
                   </a:extLst>
                 </a:gridCol>
                 <a:gridCol w="1198415">
                   <a:extLst>
                     <a:ext uri="{9D8B030D-6E8A-4147-A177-3AD203B41FA5}">
-                      <a16:colId xmlns="" xmlns:a16="http://schemas.microsoft.com/office/drawing/2014/main" val="1842265827"/>
+                      <a16:colId xmlns:a16="http://schemas.microsoft.com/office/drawing/2014/main" xmlns="" val="1842265827"/>
                     </a:ext>
                   </a:extLst>
                 </a:gridCol>
                 <a:gridCol w="1075057">
                   <a:extLst>
                     <a:ext uri="{9D8B030D-6E8A-4147-A177-3AD203B41FA5}">
-                      <a16:colId xmlns="" xmlns:a16="http://schemas.microsoft.com/office/drawing/2014/main" val="911393503"/>
+                      <a16:colId xmlns:a16="http://schemas.microsoft.com/office/drawing/2014/main" xmlns="" val="911393503"/>
                     </a:ext>
                   </a:extLst>
                 </a:gridCol>
                 <a:gridCol w="1378646">
                   <a:extLst>
                     <a:ext uri="{9D8B030D-6E8A-4147-A177-3AD203B41FA5}">
-                      <a16:colId xmlns="" xmlns:a16="http://schemas.microsoft.com/office/drawing/2014/main" val="556450556"/>
+                      <a16:colId xmlns:a16="http://schemas.microsoft.com/office/drawing/2014/main" xmlns="" val="556450556"/>
                     </a:ext>
                   </a:extLst>
                 </a:gridCol>
                 <a:gridCol w="1831891">
                   <a:extLst>
                     <a:ext uri="{9D8B030D-6E8A-4147-A177-3AD203B41FA5}">
-                      <a16:colId xmlns="" xmlns:a16="http://schemas.microsoft.com/office/drawing/2014/main" val="2563037860"/>
+                      <a16:colId xmlns:a16="http://schemas.microsoft.com/office/drawing/2014/main" xmlns="" val="2563037860"/>
                     </a:ext>
                   </a:extLst>
                 </a:gridCol>
@@ -10989,7 +10998,7 @@
                 </a:tc>
                 <a:extLst>
                   <a:ext uri="{0D108BD9-81ED-4DB2-BD59-A6C34878D82A}">
-                    <a16:rowId xmlns="" xmlns:a16="http://schemas.microsoft.com/office/drawing/2014/main" val="1433666847"/>
+                    <a16:rowId xmlns:a16="http://schemas.microsoft.com/office/drawing/2014/main" xmlns="" val="1433666847"/>
                   </a:ext>
                 </a:extLst>
               </a:tr>
@@ -11072,7 +11081,7 @@
                 </a:tc>
                 <a:extLst>
                   <a:ext uri="{0D108BD9-81ED-4DB2-BD59-A6C34878D82A}">
-                    <a16:rowId xmlns="" xmlns:a16="http://schemas.microsoft.com/office/drawing/2014/main" val="3329484029"/>
+                    <a16:rowId xmlns:a16="http://schemas.microsoft.com/office/drawing/2014/main" xmlns="" val="3329484029"/>
                   </a:ext>
                 </a:extLst>
               </a:tr>
@@ -11152,7 +11161,7 @@
                 </a:tc>
                 <a:extLst>
                   <a:ext uri="{0D108BD9-81ED-4DB2-BD59-A6C34878D82A}">
-                    <a16:rowId xmlns="" xmlns:a16="http://schemas.microsoft.com/office/drawing/2014/main" val="3524680130"/>
+                    <a16:rowId xmlns:a16="http://schemas.microsoft.com/office/drawing/2014/main" xmlns="" val="3524680130"/>
                   </a:ext>
                 </a:extLst>
               </a:tr>
@@ -11236,7 +11245,7 @@
                 </a:tc>
                 <a:extLst>
                   <a:ext uri="{0D108BD9-81ED-4DB2-BD59-A6C34878D82A}">
-                    <a16:rowId xmlns="" xmlns:a16="http://schemas.microsoft.com/office/drawing/2014/main" val="10004"/>
+                    <a16:rowId xmlns:a16="http://schemas.microsoft.com/office/drawing/2014/main" xmlns="" val="10004"/>
                   </a:ext>
                 </a:extLst>
               </a:tr>
@@ -11319,7 +11328,7 @@
                 </a:tc>
                 <a:extLst>
                   <a:ext uri="{0D108BD9-81ED-4DB2-BD59-A6C34878D82A}">
-                    <a16:rowId xmlns="" xmlns:a16="http://schemas.microsoft.com/office/drawing/2014/main" val="10005"/>
+                    <a16:rowId xmlns:a16="http://schemas.microsoft.com/office/drawing/2014/main" xmlns="" val="10005"/>
                   </a:ext>
                 </a:extLst>
               </a:tr>
@@ -11332,7 +11341,7 @@
           <p:cNvPr id="6" name="TextBox 5">
             <a:extLst>
               <a:ext uri="{FF2B5EF4-FFF2-40B4-BE49-F238E27FC236}">
-                <a16:creationId xmlns="" xmlns:a16="http://schemas.microsoft.com/office/drawing/2014/main" id="{DD5CDF78-8C57-46C9-9829-ADB8A3B199F7}"/>
+                <a16:creationId xmlns:a16="http://schemas.microsoft.com/office/drawing/2014/main" xmlns="" id="{DD5CDF78-8C57-46C9-9829-ADB8A3B199F7}"/>
               </a:ext>
             </a:extLst>
           </p:cNvPr>
@@ -11382,7 +11391,7 @@
     </p:spTree>
     <p:extLst>
       <p:ext uri="{BB962C8B-B14F-4D97-AF65-F5344CB8AC3E}">
-        <p14:creationId xmlns="" xmlns:p14="http://schemas.microsoft.com/office/powerpoint/2010/main" val="1569601037"/>
+        <p14:creationId xmlns:p14="http://schemas.microsoft.com/office/powerpoint/2010/main" xmlns="" val="1569601037"/>
       </p:ext>
     </p:extLst>
   </p:cSld>
@@ -11703,7 +11712,7 @@
     </p:spTree>
     <p:extLst>
       <p:ext uri="{BB962C8B-B14F-4D97-AF65-F5344CB8AC3E}">
-        <p14:creationId xmlns="" xmlns:p14="http://schemas.microsoft.com/office/powerpoint/2010/main" val="677239839"/>
+        <p14:creationId xmlns:p14="http://schemas.microsoft.com/office/powerpoint/2010/main" xmlns="" val="677239839"/>
       </p:ext>
     </p:extLst>
   </p:cSld>
@@ -11720,6 +11729,946 @@
       </p:par>
     </p:tnLst>
   </p:timing>
+</p:sld>
+</file>
+
+<file path=ppt/slides/slide40.xml><?xml version="1.0" encoding="utf-8"?>
+<p:sld xmlns:a="http://schemas.openxmlformats.org/drawingml/2006/main" xmlns:r="http://schemas.openxmlformats.org/officeDocument/2006/relationships" xmlns:p="http://schemas.openxmlformats.org/presentationml/2006/main">
+  <p:cSld>
+    <p:spTree>
+      <p:nvGrpSpPr>
+        <p:cNvPr id="1" name=""/>
+        <p:cNvGrpSpPr/>
+        <p:nvPr/>
+      </p:nvGrpSpPr>
+      <p:grpSpPr>
+        <a:xfrm>
+          <a:off x="0" y="0"/>
+          <a:ext cx="0" cy="0"/>
+          <a:chOff x="0" y="0"/>
+          <a:chExt cx="0" cy="0"/>
+        </a:xfrm>
+      </p:grpSpPr>
+      <p:pic>
+        <p:nvPicPr>
+          <p:cNvPr id="5" name="Picture 4" descr="userValid.PNG"/>
+          <p:cNvPicPr>
+            <a:picLocks noChangeAspect="1"/>
+          </p:cNvPicPr>
+          <p:nvPr/>
+        </p:nvPicPr>
+        <p:blipFill>
+          <a:blip r:embed="rId2"/>
+          <a:stretch>
+            <a:fillRect/>
+          </a:stretch>
+        </p:blipFill>
+        <p:spPr>
+          <a:xfrm>
+            <a:off x="0" y="939670"/>
+            <a:ext cx="9144000" cy="4203830"/>
+          </a:xfrm>
+          <a:prstGeom prst="rect">
+            <a:avLst/>
+          </a:prstGeom>
+        </p:spPr>
+      </p:pic>
+      <p:sp>
+        <p:nvSpPr>
+          <p:cNvPr id="8" name="TextBox 7">
+            <a:extLst>
+              <a:ext uri="{FF2B5EF4-FFF2-40B4-BE49-F238E27FC236}">
+                <a16:creationId xmlns:a16="http://schemas.microsoft.com/office/drawing/2014/main" xmlns="" id="{DD5CDF78-8C57-46C9-9829-ADB8A3B199F7}"/>
+              </a:ext>
+            </a:extLst>
+          </p:cNvPr>
+          <p:cNvSpPr txBox="1"/>
+          <p:nvPr/>
+        </p:nvSpPr>
+        <p:spPr>
+          <a:xfrm>
+            <a:off x="1428728" y="214296"/>
+            <a:ext cx="6357982" cy="369332"/>
+          </a:xfrm>
+          <a:prstGeom prst="rect">
+            <a:avLst/>
+          </a:prstGeom>
+          <a:noFill/>
+        </p:spPr>
+        <p:txBody>
+          <a:bodyPr wrap="square" rtlCol="0">
+            <a:spAutoFit/>
+          </a:bodyPr>
+          <a:lstStyle/>
+          <a:p>
+            <a:pPr algn="ctr"/>
+            <a:r>
+              <a:rPr lang="en-IN" b="1" dirty="0" smtClean="0">
+                <a:solidFill>
+                  <a:schemeClr val="accent5">
+                    <a:lumMod val="50000"/>
+                  </a:schemeClr>
+                </a:solidFill>
+              </a:rPr>
+              <a:t>Login Page-Valid</a:t>
+            </a:r>
+          </a:p>
+        </p:txBody>
+      </p:sp>
+    </p:spTree>
+    <p:extLst>
+      <p:ext uri="{BB962C8B-B14F-4D97-AF65-F5344CB8AC3E}">
+        <p14:creationId xmlns:p14="http://schemas.microsoft.com/office/powerpoint/2010/main" xmlns="" val="1569601037"/>
+      </p:ext>
+    </p:extLst>
+  </p:cSld>
+  <p:clrMapOvr>
+    <a:masterClrMapping/>
+  </p:clrMapOvr>
+</p:sld>
+</file>
+
+<file path=ppt/slides/slide41.xml><?xml version="1.0" encoding="utf-8"?>
+<p:sld xmlns:a="http://schemas.openxmlformats.org/drawingml/2006/main" xmlns:r="http://schemas.openxmlformats.org/officeDocument/2006/relationships" xmlns:p="http://schemas.openxmlformats.org/presentationml/2006/main">
+  <p:cSld>
+    <p:spTree>
+      <p:nvGrpSpPr>
+        <p:cNvPr id="1" name=""/>
+        <p:cNvGrpSpPr/>
+        <p:nvPr/>
+      </p:nvGrpSpPr>
+      <p:grpSpPr>
+        <a:xfrm>
+          <a:off x="0" y="0"/>
+          <a:ext cx="0" cy="0"/>
+          <a:chOff x="0" y="0"/>
+          <a:chExt cx="0" cy="0"/>
+        </a:xfrm>
+      </p:grpSpPr>
+      <p:sp>
+        <p:nvSpPr>
+          <p:cNvPr id="8" name="TextBox 7">
+            <a:extLst>
+              <a:ext uri="{FF2B5EF4-FFF2-40B4-BE49-F238E27FC236}">
+                <a16:creationId xmlns:a16="http://schemas.microsoft.com/office/drawing/2014/main" xmlns="" id="{DD5CDF78-8C57-46C9-9829-ADB8A3B199F7}"/>
+              </a:ext>
+            </a:extLst>
+          </p:cNvPr>
+          <p:cNvSpPr txBox="1"/>
+          <p:nvPr/>
+        </p:nvSpPr>
+        <p:spPr>
+          <a:xfrm>
+            <a:off x="1428728" y="214296"/>
+            <a:ext cx="6357982" cy="646331"/>
+          </a:xfrm>
+          <a:prstGeom prst="rect">
+            <a:avLst/>
+          </a:prstGeom>
+          <a:noFill/>
+        </p:spPr>
+        <p:txBody>
+          <a:bodyPr wrap="square" rtlCol="0">
+            <a:spAutoFit/>
+          </a:bodyPr>
+          <a:lstStyle/>
+          <a:p>
+            <a:pPr algn="ctr"/>
+            <a:r>
+              <a:rPr lang="en-IN" b="1" dirty="0" smtClean="0">
+                <a:solidFill>
+                  <a:schemeClr val="accent5">
+                    <a:lumMod val="50000"/>
+                  </a:schemeClr>
+                </a:solidFill>
+              </a:rPr>
+              <a:t>Login Page</a:t>
+            </a:r>
+          </a:p>
+          <a:p>
+            <a:pPr algn="ctr"/>
+            <a:r>
+              <a:rPr lang="en-IN" b="1" dirty="0" smtClean="0">
+                <a:solidFill>
+                  <a:schemeClr val="accent5">
+                    <a:lumMod val="50000"/>
+                  </a:schemeClr>
+                </a:solidFill>
+              </a:rPr>
+              <a:t>Invalid Email</a:t>
+            </a:r>
+          </a:p>
+        </p:txBody>
+      </p:sp>
+      <p:pic>
+        <p:nvPicPr>
+          <p:cNvPr id="4" name="Picture 3" descr="userEmailInvalid.PNG"/>
+          <p:cNvPicPr>
+            <a:picLocks noChangeAspect="1"/>
+          </p:cNvPicPr>
+          <p:nvPr/>
+        </p:nvPicPr>
+        <p:blipFill>
+          <a:blip r:embed="rId2"/>
+          <a:stretch>
+            <a:fillRect/>
+          </a:stretch>
+        </p:blipFill>
+        <p:spPr>
+          <a:xfrm>
+            <a:off x="0" y="946364"/>
+            <a:ext cx="9144000" cy="4197136"/>
+          </a:xfrm>
+          <a:prstGeom prst="rect">
+            <a:avLst/>
+          </a:prstGeom>
+        </p:spPr>
+      </p:pic>
+    </p:spTree>
+    <p:extLst>
+      <p:ext uri="{BB962C8B-B14F-4D97-AF65-F5344CB8AC3E}">
+        <p14:creationId xmlns:p14="http://schemas.microsoft.com/office/powerpoint/2010/main" xmlns="" val="1569601037"/>
+      </p:ext>
+    </p:extLst>
+  </p:cSld>
+  <p:clrMapOvr>
+    <a:masterClrMapping/>
+  </p:clrMapOvr>
+</p:sld>
+</file>
+
+<file path=ppt/slides/slide42.xml><?xml version="1.0" encoding="utf-8"?>
+<p:sld xmlns:a="http://schemas.openxmlformats.org/drawingml/2006/main" xmlns:r="http://schemas.openxmlformats.org/officeDocument/2006/relationships" xmlns:p="http://schemas.openxmlformats.org/presentationml/2006/main">
+  <p:cSld>
+    <p:spTree>
+      <p:nvGrpSpPr>
+        <p:cNvPr id="1" name=""/>
+        <p:cNvGrpSpPr/>
+        <p:nvPr/>
+      </p:nvGrpSpPr>
+      <p:grpSpPr>
+        <a:xfrm>
+          <a:off x="0" y="0"/>
+          <a:ext cx="0" cy="0"/>
+          <a:chOff x="0" y="0"/>
+          <a:chExt cx="0" cy="0"/>
+        </a:xfrm>
+      </p:grpSpPr>
+      <p:sp>
+        <p:nvSpPr>
+          <p:cNvPr id="8" name="TextBox 7">
+            <a:extLst>
+              <a:ext uri="{FF2B5EF4-FFF2-40B4-BE49-F238E27FC236}">
+                <a16:creationId xmlns:a16="http://schemas.microsoft.com/office/drawing/2014/main" xmlns="" id="{DD5CDF78-8C57-46C9-9829-ADB8A3B199F7}"/>
+              </a:ext>
+            </a:extLst>
+          </p:cNvPr>
+          <p:cNvSpPr txBox="1"/>
+          <p:nvPr/>
+        </p:nvSpPr>
+        <p:spPr>
+          <a:xfrm>
+            <a:off x="1428728" y="214296"/>
+            <a:ext cx="6357982" cy="646331"/>
+          </a:xfrm>
+          <a:prstGeom prst="rect">
+            <a:avLst/>
+          </a:prstGeom>
+          <a:noFill/>
+        </p:spPr>
+        <p:txBody>
+          <a:bodyPr wrap="square" rtlCol="0">
+            <a:spAutoFit/>
+          </a:bodyPr>
+          <a:lstStyle/>
+          <a:p>
+            <a:pPr algn="ctr"/>
+            <a:r>
+              <a:rPr lang="en-IN" b="1" dirty="0" smtClean="0">
+                <a:solidFill>
+                  <a:schemeClr val="accent5">
+                    <a:lumMod val="50000"/>
+                  </a:schemeClr>
+                </a:solidFill>
+              </a:rPr>
+              <a:t>Login Page</a:t>
+            </a:r>
+          </a:p>
+          <a:p>
+            <a:pPr algn="ctr"/>
+            <a:r>
+              <a:rPr lang="en-IN" b="1" dirty="0" smtClean="0">
+                <a:solidFill>
+                  <a:schemeClr val="accent5">
+                    <a:lumMod val="50000"/>
+                  </a:schemeClr>
+                </a:solidFill>
+              </a:rPr>
+              <a:t>I</a:t>
+            </a:r>
+            <a:r>
+              <a:rPr lang="en-IN" b="1" dirty="0" smtClean="0">
+                <a:solidFill>
+                  <a:schemeClr val="accent5">
+                    <a:lumMod val="50000"/>
+                  </a:schemeClr>
+                </a:solidFill>
+              </a:rPr>
+              <a:t>nvalid Password</a:t>
+            </a:r>
+          </a:p>
+        </p:txBody>
+      </p:sp>
+      <p:pic>
+        <p:nvPicPr>
+          <p:cNvPr id="4" name="Picture 3" descr="userPasswordInvalid.PNG"/>
+          <p:cNvPicPr>
+            <a:picLocks noChangeAspect="1"/>
+          </p:cNvPicPr>
+          <p:nvPr/>
+        </p:nvPicPr>
+        <p:blipFill>
+          <a:blip r:embed="rId2"/>
+          <a:stretch>
+            <a:fillRect/>
+          </a:stretch>
+        </p:blipFill>
+        <p:spPr>
+          <a:xfrm>
+            <a:off x="0" y="932976"/>
+            <a:ext cx="9144000" cy="4210524"/>
+          </a:xfrm>
+          <a:prstGeom prst="rect">
+            <a:avLst/>
+          </a:prstGeom>
+        </p:spPr>
+      </p:pic>
+    </p:spTree>
+    <p:extLst>
+      <p:ext uri="{BB962C8B-B14F-4D97-AF65-F5344CB8AC3E}">
+        <p14:creationId xmlns:p14="http://schemas.microsoft.com/office/powerpoint/2010/main" xmlns="" val="1569601037"/>
+      </p:ext>
+    </p:extLst>
+  </p:cSld>
+  <p:clrMapOvr>
+    <a:masterClrMapping/>
+  </p:clrMapOvr>
+</p:sld>
+</file>
+
+<file path=ppt/slides/slide43.xml><?xml version="1.0" encoding="utf-8"?>
+<p:sld xmlns:a="http://schemas.openxmlformats.org/drawingml/2006/main" xmlns:r="http://schemas.openxmlformats.org/officeDocument/2006/relationships" xmlns:p="http://schemas.openxmlformats.org/presentationml/2006/main">
+  <p:cSld>
+    <p:spTree>
+      <p:nvGrpSpPr>
+        <p:cNvPr id="1" name=""/>
+        <p:cNvGrpSpPr/>
+        <p:nvPr/>
+      </p:nvGrpSpPr>
+      <p:grpSpPr>
+        <a:xfrm>
+          <a:off x="0" y="0"/>
+          <a:ext cx="0" cy="0"/>
+          <a:chOff x="0" y="0"/>
+          <a:chExt cx="0" cy="0"/>
+        </a:xfrm>
+      </p:grpSpPr>
+      <p:sp>
+        <p:nvSpPr>
+          <p:cNvPr id="8" name="TextBox 7">
+            <a:extLst>
+              <a:ext uri="{FF2B5EF4-FFF2-40B4-BE49-F238E27FC236}">
+                <a16:creationId xmlns:a16="http://schemas.microsoft.com/office/drawing/2014/main" xmlns="" id="{DD5CDF78-8C57-46C9-9829-ADB8A3B199F7}"/>
+              </a:ext>
+            </a:extLst>
+          </p:cNvPr>
+          <p:cNvSpPr txBox="1"/>
+          <p:nvPr/>
+        </p:nvSpPr>
+        <p:spPr>
+          <a:xfrm>
+            <a:off x="1428728" y="214296"/>
+            <a:ext cx="6357982" cy="369332"/>
+          </a:xfrm>
+          <a:prstGeom prst="rect">
+            <a:avLst/>
+          </a:prstGeom>
+          <a:noFill/>
+        </p:spPr>
+        <p:txBody>
+          <a:bodyPr wrap="square" rtlCol="0">
+            <a:spAutoFit/>
+          </a:bodyPr>
+          <a:lstStyle/>
+          <a:p>
+            <a:pPr algn="ctr"/>
+            <a:r>
+              <a:rPr lang="en-IN" b="1" dirty="0" smtClean="0">
+                <a:solidFill>
+                  <a:schemeClr val="accent5">
+                    <a:lumMod val="50000"/>
+                  </a:schemeClr>
+                </a:solidFill>
+              </a:rPr>
+              <a:t>Admin Homepage</a:t>
+            </a:r>
+          </a:p>
+        </p:txBody>
+      </p:sp>
+      <p:pic>
+        <p:nvPicPr>
+          <p:cNvPr id="5" name="Picture 4" descr="admin1.PNG"/>
+          <p:cNvPicPr>
+            <a:picLocks noChangeAspect="1"/>
+          </p:cNvPicPr>
+          <p:nvPr/>
+        </p:nvPicPr>
+        <p:blipFill>
+          <a:blip r:embed="rId2"/>
+          <a:stretch>
+            <a:fillRect/>
+          </a:stretch>
+        </p:blipFill>
+        <p:spPr>
+          <a:xfrm>
+            <a:off x="0" y="642924"/>
+            <a:ext cx="9144000" cy="4500576"/>
+          </a:xfrm>
+          <a:prstGeom prst="rect">
+            <a:avLst/>
+          </a:prstGeom>
+        </p:spPr>
+      </p:pic>
+    </p:spTree>
+    <p:extLst>
+      <p:ext uri="{BB962C8B-B14F-4D97-AF65-F5344CB8AC3E}">
+        <p14:creationId xmlns:p14="http://schemas.microsoft.com/office/powerpoint/2010/main" xmlns="" val="1569601037"/>
+      </p:ext>
+    </p:extLst>
+  </p:cSld>
+  <p:clrMapOvr>
+    <a:masterClrMapping/>
+  </p:clrMapOvr>
+</p:sld>
+</file>
+
+<file path=ppt/slides/slide44.xml><?xml version="1.0" encoding="utf-8"?>
+<p:sld xmlns:a="http://schemas.openxmlformats.org/drawingml/2006/main" xmlns:r="http://schemas.openxmlformats.org/officeDocument/2006/relationships" xmlns:p="http://schemas.openxmlformats.org/presentationml/2006/main">
+  <p:cSld>
+    <p:spTree>
+      <p:nvGrpSpPr>
+        <p:cNvPr id="1" name=""/>
+        <p:cNvGrpSpPr/>
+        <p:nvPr/>
+      </p:nvGrpSpPr>
+      <p:grpSpPr>
+        <a:xfrm>
+          <a:off x="0" y="0"/>
+          <a:ext cx="0" cy="0"/>
+          <a:chOff x="0" y="0"/>
+          <a:chExt cx="0" cy="0"/>
+        </a:xfrm>
+      </p:grpSpPr>
+      <p:sp>
+        <p:nvSpPr>
+          <p:cNvPr id="8" name="TextBox 7">
+            <a:extLst>
+              <a:ext uri="{FF2B5EF4-FFF2-40B4-BE49-F238E27FC236}">
+                <a16:creationId xmlns:a16="http://schemas.microsoft.com/office/drawing/2014/main" xmlns="" id="{DD5CDF78-8C57-46C9-9829-ADB8A3B199F7}"/>
+              </a:ext>
+            </a:extLst>
+          </p:cNvPr>
+          <p:cNvSpPr txBox="1"/>
+          <p:nvPr/>
+        </p:nvSpPr>
+        <p:spPr>
+          <a:xfrm>
+            <a:off x="1428728" y="214296"/>
+            <a:ext cx="6357982" cy="369332"/>
+          </a:xfrm>
+          <a:prstGeom prst="rect">
+            <a:avLst/>
+          </a:prstGeom>
+          <a:noFill/>
+        </p:spPr>
+        <p:txBody>
+          <a:bodyPr wrap="square" rtlCol="0">
+            <a:spAutoFit/>
+          </a:bodyPr>
+          <a:lstStyle/>
+          <a:p>
+            <a:pPr algn="ctr"/>
+            <a:r>
+              <a:rPr lang="en-IN" b="1" dirty="0" smtClean="0">
+                <a:solidFill>
+                  <a:schemeClr val="accent5">
+                    <a:lumMod val="50000"/>
+                  </a:schemeClr>
+                </a:solidFill>
+              </a:rPr>
+              <a:t>Admin User Management Page-1</a:t>
+            </a:r>
+          </a:p>
+        </p:txBody>
+      </p:sp>
+      <p:pic>
+        <p:nvPicPr>
+          <p:cNvPr id="4" name="Picture 3" descr="admin2.PNG"/>
+          <p:cNvPicPr>
+            <a:picLocks noChangeAspect="1"/>
+          </p:cNvPicPr>
+          <p:nvPr/>
+        </p:nvPicPr>
+        <p:blipFill>
+          <a:blip r:embed="rId2"/>
+          <a:stretch>
+            <a:fillRect/>
+          </a:stretch>
+        </p:blipFill>
+        <p:spPr>
+          <a:xfrm>
+            <a:off x="0" y="571486"/>
+            <a:ext cx="9144000" cy="4572013"/>
+          </a:xfrm>
+          <a:prstGeom prst="rect">
+            <a:avLst/>
+          </a:prstGeom>
+        </p:spPr>
+      </p:pic>
+    </p:spTree>
+    <p:extLst>
+      <p:ext uri="{BB962C8B-B14F-4D97-AF65-F5344CB8AC3E}">
+        <p14:creationId xmlns:p14="http://schemas.microsoft.com/office/powerpoint/2010/main" xmlns="" val="1569601037"/>
+      </p:ext>
+    </p:extLst>
+  </p:cSld>
+  <p:clrMapOvr>
+    <a:masterClrMapping/>
+  </p:clrMapOvr>
+</p:sld>
+</file>
+
+<file path=ppt/slides/slide45.xml><?xml version="1.0" encoding="utf-8"?>
+<p:sld xmlns:a="http://schemas.openxmlformats.org/drawingml/2006/main" xmlns:r="http://schemas.openxmlformats.org/officeDocument/2006/relationships" xmlns:p="http://schemas.openxmlformats.org/presentationml/2006/main">
+  <p:cSld>
+    <p:spTree>
+      <p:nvGrpSpPr>
+        <p:cNvPr id="1" name=""/>
+        <p:cNvGrpSpPr/>
+        <p:nvPr/>
+      </p:nvGrpSpPr>
+      <p:grpSpPr>
+        <a:xfrm>
+          <a:off x="0" y="0"/>
+          <a:ext cx="0" cy="0"/>
+          <a:chOff x="0" y="0"/>
+          <a:chExt cx="0" cy="0"/>
+        </a:xfrm>
+      </p:grpSpPr>
+      <p:sp>
+        <p:nvSpPr>
+          <p:cNvPr id="8" name="TextBox 7">
+            <a:extLst>
+              <a:ext uri="{FF2B5EF4-FFF2-40B4-BE49-F238E27FC236}">
+                <a16:creationId xmlns:a16="http://schemas.microsoft.com/office/drawing/2014/main" xmlns="" id="{DD5CDF78-8C57-46C9-9829-ADB8A3B199F7}"/>
+              </a:ext>
+            </a:extLst>
+          </p:cNvPr>
+          <p:cNvSpPr txBox="1"/>
+          <p:nvPr/>
+        </p:nvSpPr>
+        <p:spPr>
+          <a:xfrm>
+            <a:off x="1428728" y="214296"/>
+            <a:ext cx="6357982" cy="369332"/>
+          </a:xfrm>
+          <a:prstGeom prst="rect">
+            <a:avLst/>
+          </a:prstGeom>
+          <a:noFill/>
+        </p:spPr>
+        <p:txBody>
+          <a:bodyPr wrap="square" rtlCol="0">
+            <a:spAutoFit/>
+          </a:bodyPr>
+          <a:lstStyle/>
+          <a:p>
+            <a:pPr algn="ctr"/>
+            <a:r>
+              <a:rPr lang="en-IN" b="1" dirty="0" smtClean="0">
+                <a:solidFill>
+                  <a:schemeClr val="accent5">
+                    <a:lumMod val="50000"/>
+                  </a:schemeClr>
+                </a:solidFill>
+              </a:rPr>
+              <a:t>Admin User Management Page-2</a:t>
+            </a:r>
+          </a:p>
+        </p:txBody>
+      </p:sp>
+      <p:pic>
+        <p:nvPicPr>
+          <p:cNvPr id="6" name="Picture 5" descr="admin3.PNG"/>
+          <p:cNvPicPr>
+            <a:picLocks noChangeAspect="1"/>
+          </p:cNvPicPr>
+          <p:nvPr/>
+        </p:nvPicPr>
+        <p:blipFill>
+          <a:blip r:embed="rId2"/>
+          <a:stretch>
+            <a:fillRect/>
+          </a:stretch>
+        </p:blipFill>
+        <p:spPr>
+          <a:xfrm>
+            <a:off x="0" y="571486"/>
+            <a:ext cx="9144000" cy="4570758"/>
+          </a:xfrm>
+          <a:prstGeom prst="rect">
+            <a:avLst/>
+          </a:prstGeom>
+        </p:spPr>
+      </p:pic>
+    </p:spTree>
+    <p:extLst>
+      <p:ext uri="{BB962C8B-B14F-4D97-AF65-F5344CB8AC3E}">
+        <p14:creationId xmlns:p14="http://schemas.microsoft.com/office/powerpoint/2010/main" xmlns="" val="1569601037"/>
+      </p:ext>
+    </p:extLst>
+  </p:cSld>
+  <p:clrMapOvr>
+    <a:masterClrMapping/>
+  </p:clrMapOvr>
+</p:sld>
+</file>
+
+<file path=ppt/slides/slide46.xml><?xml version="1.0" encoding="utf-8"?>
+<p:sld xmlns:a="http://schemas.openxmlformats.org/drawingml/2006/main" xmlns:r="http://schemas.openxmlformats.org/officeDocument/2006/relationships" xmlns:p="http://schemas.openxmlformats.org/presentationml/2006/main">
+  <p:cSld>
+    <p:spTree>
+      <p:nvGrpSpPr>
+        <p:cNvPr id="1" name=""/>
+        <p:cNvGrpSpPr/>
+        <p:nvPr/>
+      </p:nvGrpSpPr>
+      <p:grpSpPr>
+        <a:xfrm>
+          <a:off x="0" y="0"/>
+          <a:ext cx="0" cy="0"/>
+          <a:chOff x="0" y="0"/>
+          <a:chExt cx="0" cy="0"/>
+        </a:xfrm>
+      </p:grpSpPr>
+      <p:sp>
+        <p:nvSpPr>
+          <p:cNvPr id="8" name="TextBox 7">
+            <a:extLst>
+              <a:ext uri="{FF2B5EF4-FFF2-40B4-BE49-F238E27FC236}">
+                <a16:creationId xmlns:a16="http://schemas.microsoft.com/office/drawing/2014/main" xmlns="" id="{DD5CDF78-8C57-46C9-9829-ADB8A3B199F7}"/>
+              </a:ext>
+            </a:extLst>
+          </p:cNvPr>
+          <p:cNvSpPr txBox="1"/>
+          <p:nvPr/>
+        </p:nvSpPr>
+        <p:spPr>
+          <a:xfrm>
+            <a:off x="1428728" y="214296"/>
+            <a:ext cx="6357982" cy="369332"/>
+          </a:xfrm>
+          <a:prstGeom prst="rect">
+            <a:avLst/>
+          </a:prstGeom>
+          <a:noFill/>
+        </p:spPr>
+        <p:txBody>
+          <a:bodyPr wrap="square" rtlCol="0">
+            <a:spAutoFit/>
+          </a:bodyPr>
+          <a:lstStyle/>
+          <a:p>
+            <a:pPr algn="ctr"/>
+            <a:r>
+              <a:rPr lang="en-IN" b="1" dirty="0" smtClean="0">
+                <a:solidFill>
+                  <a:schemeClr val="accent5">
+                    <a:lumMod val="50000"/>
+                  </a:schemeClr>
+                </a:solidFill>
+              </a:rPr>
+              <a:t>Admin </a:t>
+            </a:r>
+            <a:r>
+              <a:rPr lang="en-IN" b="1" dirty="0" smtClean="0">
+                <a:solidFill>
+                  <a:schemeClr val="accent5">
+                    <a:lumMod val="50000"/>
+                  </a:schemeClr>
+                </a:solidFill>
+              </a:rPr>
+              <a:t>Order </a:t>
+            </a:r>
+            <a:r>
+              <a:rPr lang="en-IN" b="1" dirty="0" smtClean="0">
+                <a:solidFill>
+                  <a:schemeClr val="accent5">
+                    <a:lumMod val="50000"/>
+                  </a:schemeClr>
+                </a:solidFill>
+              </a:rPr>
+              <a:t>Management Page-1</a:t>
+            </a:r>
+          </a:p>
+        </p:txBody>
+      </p:sp>
+      <p:pic>
+        <p:nvPicPr>
+          <p:cNvPr id="4" name="Picture 3" descr="admin4.PNG"/>
+          <p:cNvPicPr>
+            <a:picLocks noChangeAspect="1"/>
+          </p:cNvPicPr>
+          <p:nvPr/>
+        </p:nvPicPr>
+        <p:blipFill>
+          <a:blip r:embed="rId2"/>
+          <a:stretch>
+            <a:fillRect/>
+          </a:stretch>
+        </p:blipFill>
+        <p:spPr>
+          <a:xfrm>
+            <a:off x="0" y="642923"/>
+            <a:ext cx="9144000" cy="4499321"/>
+          </a:xfrm>
+          <a:prstGeom prst="rect">
+            <a:avLst/>
+          </a:prstGeom>
+        </p:spPr>
+      </p:pic>
+    </p:spTree>
+    <p:extLst>
+      <p:ext uri="{BB962C8B-B14F-4D97-AF65-F5344CB8AC3E}">
+        <p14:creationId xmlns:p14="http://schemas.microsoft.com/office/powerpoint/2010/main" xmlns="" val="1569601037"/>
+      </p:ext>
+    </p:extLst>
+  </p:cSld>
+  <p:clrMapOvr>
+    <a:masterClrMapping/>
+  </p:clrMapOvr>
+</p:sld>
+</file>
+
+<file path=ppt/slides/slide47.xml><?xml version="1.0" encoding="utf-8"?>
+<p:sld xmlns:a="http://schemas.openxmlformats.org/drawingml/2006/main" xmlns:r="http://schemas.openxmlformats.org/officeDocument/2006/relationships" xmlns:p="http://schemas.openxmlformats.org/presentationml/2006/main">
+  <p:cSld>
+    <p:spTree>
+      <p:nvGrpSpPr>
+        <p:cNvPr id="1" name=""/>
+        <p:cNvGrpSpPr/>
+        <p:nvPr/>
+      </p:nvGrpSpPr>
+      <p:grpSpPr>
+        <a:xfrm>
+          <a:off x="0" y="0"/>
+          <a:ext cx="0" cy="0"/>
+          <a:chOff x="0" y="0"/>
+          <a:chExt cx="0" cy="0"/>
+        </a:xfrm>
+      </p:grpSpPr>
+      <p:sp>
+        <p:nvSpPr>
+          <p:cNvPr id="8" name="TextBox 7">
+            <a:extLst>
+              <a:ext uri="{FF2B5EF4-FFF2-40B4-BE49-F238E27FC236}">
+                <a16:creationId xmlns:a16="http://schemas.microsoft.com/office/drawing/2014/main" xmlns="" id="{DD5CDF78-8C57-46C9-9829-ADB8A3B199F7}"/>
+              </a:ext>
+            </a:extLst>
+          </p:cNvPr>
+          <p:cNvSpPr txBox="1"/>
+          <p:nvPr/>
+        </p:nvSpPr>
+        <p:spPr>
+          <a:xfrm>
+            <a:off x="1428728" y="214296"/>
+            <a:ext cx="6357982" cy="369332"/>
+          </a:xfrm>
+          <a:prstGeom prst="rect">
+            <a:avLst/>
+          </a:prstGeom>
+          <a:noFill/>
+        </p:spPr>
+        <p:txBody>
+          <a:bodyPr wrap="square" rtlCol="0">
+            <a:spAutoFit/>
+          </a:bodyPr>
+          <a:lstStyle/>
+          <a:p>
+            <a:pPr algn="ctr"/>
+            <a:r>
+              <a:rPr lang="en-IN" b="1" dirty="0" smtClean="0">
+                <a:solidFill>
+                  <a:schemeClr val="accent5">
+                    <a:lumMod val="50000"/>
+                  </a:schemeClr>
+                </a:solidFill>
+              </a:rPr>
+              <a:t>Admin </a:t>
+            </a:r>
+            <a:r>
+              <a:rPr lang="en-IN" b="1" dirty="0" smtClean="0">
+                <a:solidFill>
+                  <a:schemeClr val="accent5">
+                    <a:lumMod val="50000"/>
+                  </a:schemeClr>
+                </a:solidFill>
+              </a:rPr>
+              <a:t>Order </a:t>
+            </a:r>
+            <a:r>
+              <a:rPr lang="en-IN" b="1" dirty="0" smtClean="0">
+                <a:solidFill>
+                  <a:schemeClr val="accent5">
+                    <a:lumMod val="50000"/>
+                  </a:schemeClr>
+                </a:solidFill>
+              </a:rPr>
+              <a:t>Management Page-2</a:t>
+            </a:r>
+          </a:p>
+        </p:txBody>
+      </p:sp>
+      <p:pic>
+        <p:nvPicPr>
+          <p:cNvPr id="5" name="Picture 4" descr="admin5.PNG"/>
+          <p:cNvPicPr>
+            <a:picLocks noChangeAspect="1"/>
+          </p:cNvPicPr>
+          <p:nvPr/>
+        </p:nvPicPr>
+        <p:blipFill>
+          <a:blip r:embed="rId2"/>
+          <a:stretch>
+            <a:fillRect/>
+          </a:stretch>
+        </p:blipFill>
+        <p:spPr>
+          <a:xfrm>
+            <a:off x="0" y="571486"/>
+            <a:ext cx="9144000" cy="4570758"/>
+          </a:xfrm>
+          <a:prstGeom prst="rect">
+            <a:avLst/>
+          </a:prstGeom>
+        </p:spPr>
+      </p:pic>
+    </p:spTree>
+    <p:extLst>
+      <p:ext uri="{BB962C8B-B14F-4D97-AF65-F5344CB8AC3E}">
+        <p14:creationId xmlns:p14="http://schemas.microsoft.com/office/powerpoint/2010/main" xmlns="" val="1569601037"/>
+      </p:ext>
+    </p:extLst>
+  </p:cSld>
+  <p:clrMapOvr>
+    <a:masterClrMapping/>
+  </p:clrMapOvr>
+</p:sld>
+</file>
+
+<file path=ppt/slides/slide48.xml><?xml version="1.0" encoding="utf-8"?>
+<p:sld xmlns:a="http://schemas.openxmlformats.org/drawingml/2006/main" xmlns:r="http://schemas.openxmlformats.org/officeDocument/2006/relationships" xmlns:p="http://schemas.openxmlformats.org/presentationml/2006/main">
+  <p:cSld>
+    <p:spTree>
+      <p:nvGrpSpPr>
+        <p:cNvPr id="1" name=""/>
+        <p:cNvGrpSpPr/>
+        <p:nvPr/>
+      </p:nvGrpSpPr>
+      <p:grpSpPr>
+        <a:xfrm>
+          <a:off x="0" y="0"/>
+          <a:ext cx="0" cy="0"/>
+          <a:chOff x="0" y="0"/>
+          <a:chExt cx="0" cy="0"/>
+        </a:xfrm>
+      </p:grpSpPr>
+      <p:sp>
+        <p:nvSpPr>
+          <p:cNvPr id="8" name="TextBox 7">
+            <a:extLst>
+              <a:ext uri="{FF2B5EF4-FFF2-40B4-BE49-F238E27FC236}">
+                <a16:creationId xmlns:a16="http://schemas.microsoft.com/office/drawing/2014/main" xmlns="" id="{DD5CDF78-8C57-46C9-9829-ADB8A3B199F7}"/>
+              </a:ext>
+            </a:extLst>
+          </p:cNvPr>
+          <p:cNvSpPr txBox="1"/>
+          <p:nvPr/>
+        </p:nvSpPr>
+        <p:spPr>
+          <a:xfrm>
+            <a:off x="1428728" y="214296"/>
+            <a:ext cx="6357982" cy="369332"/>
+          </a:xfrm>
+          <a:prstGeom prst="rect">
+            <a:avLst/>
+          </a:prstGeom>
+          <a:noFill/>
+        </p:spPr>
+        <p:txBody>
+          <a:bodyPr wrap="square" rtlCol="0">
+            <a:spAutoFit/>
+          </a:bodyPr>
+          <a:lstStyle/>
+          <a:p>
+            <a:pPr algn="ctr"/>
+            <a:r>
+              <a:rPr lang="en-IN" b="1" dirty="0" smtClean="0">
+                <a:solidFill>
+                  <a:schemeClr val="accent5">
+                    <a:lumMod val="50000"/>
+                  </a:schemeClr>
+                </a:solidFill>
+              </a:rPr>
+              <a:t>Admin Manage Feedbacks Page</a:t>
+            </a:r>
+          </a:p>
+        </p:txBody>
+      </p:sp>
+      <p:pic>
+        <p:nvPicPr>
+          <p:cNvPr id="6" name="Picture 5" descr="admin6.PNG"/>
+          <p:cNvPicPr>
+            <a:picLocks noChangeAspect="1"/>
+          </p:cNvPicPr>
+          <p:nvPr/>
+        </p:nvPicPr>
+        <p:blipFill>
+          <a:blip r:embed="rId2"/>
+          <a:stretch>
+            <a:fillRect/>
+          </a:stretch>
+        </p:blipFill>
+        <p:spPr>
+          <a:xfrm>
+            <a:off x="0" y="563536"/>
+            <a:ext cx="9144000" cy="4578708"/>
+          </a:xfrm>
+          <a:prstGeom prst="rect">
+            <a:avLst/>
+          </a:prstGeom>
+        </p:spPr>
+      </p:pic>
+    </p:spTree>
+    <p:extLst>
+      <p:ext uri="{BB962C8B-B14F-4D97-AF65-F5344CB8AC3E}">
+        <p14:creationId xmlns:p14="http://schemas.microsoft.com/office/powerpoint/2010/main" xmlns="" val="1569601037"/>
+      </p:ext>
+    </p:extLst>
+  </p:cSld>
+  <p:clrMapOvr>
+    <a:masterClrMapping/>
+  </p:clrMapOvr>
 </p:sld>
 </file>
 
@@ -11931,7 +12880,7 @@
     </p:spTree>
     <p:extLst>
       <p:ext uri="{BB962C8B-B14F-4D97-AF65-F5344CB8AC3E}">
-        <p14:creationId xmlns="" xmlns:p14="http://schemas.microsoft.com/office/powerpoint/2010/main" val="677239839"/>
+        <p14:creationId xmlns:p14="http://schemas.microsoft.com/office/powerpoint/2010/main" xmlns="" val="677239839"/>
       </p:ext>
     </p:extLst>
   </p:cSld>
@@ -12189,7 +13138,7 @@
     </p:spTree>
     <p:extLst>
       <p:ext uri="{BB962C8B-B14F-4D97-AF65-F5344CB8AC3E}">
-        <p14:creationId xmlns="" xmlns:p14="http://schemas.microsoft.com/office/powerpoint/2010/main" val="3060352862"/>
+        <p14:creationId xmlns:p14="http://schemas.microsoft.com/office/powerpoint/2010/main" xmlns="" val="3060352862"/>
       </p:ext>
     </p:extLst>
   </p:cSld>
@@ -12533,7 +13482,7 @@
     </p:spTree>
     <p:extLst>
       <p:ext uri="{BB962C8B-B14F-4D97-AF65-F5344CB8AC3E}">
-        <p14:creationId xmlns="" xmlns:p14="http://schemas.microsoft.com/office/powerpoint/2010/main" val="3060352862"/>
+        <p14:creationId xmlns:p14="http://schemas.microsoft.com/office/powerpoint/2010/main" xmlns="" val="3060352862"/>
       </p:ext>
     </p:extLst>
   </p:cSld>
@@ -12717,7 +13666,7 @@
     </p:spTree>
     <p:extLst>
       <p:ext uri="{BB962C8B-B14F-4D97-AF65-F5344CB8AC3E}">
-        <p14:creationId xmlns="" xmlns:p14="http://schemas.microsoft.com/office/powerpoint/2010/main" val="3060352862"/>
+        <p14:creationId xmlns:p14="http://schemas.microsoft.com/office/powerpoint/2010/main" xmlns="" val="3060352862"/>
       </p:ext>
     </p:extLst>
   </p:cSld>
@@ -12938,7 +13887,7 @@
     </p:spTree>
     <p:extLst>
       <p:ext uri="{BB962C8B-B14F-4D97-AF65-F5344CB8AC3E}">
-        <p14:creationId xmlns="" xmlns:p14="http://schemas.microsoft.com/office/powerpoint/2010/main" val="3060352862"/>
+        <p14:creationId xmlns:p14="http://schemas.microsoft.com/office/powerpoint/2010/main" xmlns="" val="3060352862"/>
       </p:ext>
     </p:extLst>
   </p:cSld>
